--- a/Multi-Agent Chatbot.pptx
+++ b/Multi-Agent Chatbot.pptx
@@ -18,11 +18,11 @@
   <p:notesSz cx="6858000" cy="9144000"/>
   <p:embeddedFontLst>
     <p:embeddedFont>
-      <p:font typeface="Hanuman" charset="1" panose="02020502060506020304"/>
+      <p:font typeface="Open Sans" charset="1" panose="00000000000000000000"/>
       <p:regular r:id="rId14"/>
     </p:embeddedFont>
     <p:embeddedFont>
-      <p:font typeface="Hanuman Bold" charset="1" panose="02020502060506020304"/>
+      <p:font typeface="Open Sans Bold" charset="1" panose="00000000000000000000"/>
       <p:regular r:id="rId15"/>
     </p:embeddedFont>
   </p:embeddedFontLst>
@@ -3091,8 +3091,8 @@
         </p:nvSpPr>
         <p:spPr>
           <a:xfrm rot="0">
-            <a:off x="1028700" y="1209675"/>
-            <a:ext cx="7877175" cy="3171825"/>
+            <a:off x="1028700" y="1257300"/>
+            <a:ext cx="8326066" cy="3124200"/>
           </a:xfrm>
           <a:prstGeom prst="rect">
             <a:avLst/>
@@ -3114,10 +3114,10 @@
                 <a:solidFill>
                   <a:srgbClr val="018575"/>
                 </a:solidFill>
-                <a:latin typeface="Hanuman"/>
-                <a:ea typeface="Hanuman"/>
-                <a:cs typeface="Hanuman"/>
-                <a:sym typeface="Hanuman"/>
+                <a:latin typeface="Open Sans"/>
+                <a:ea typeface="Open Sans"/>
+                <a:cs typeface="Open Sans"/>
+                <a:sym typeface="Open Sans"/>
               </a:rPr>
               <a:t>Multi-Agent Chatbot</a:t>
             </a:r>
@@ -3132,8 +3132,8 @@
         </p:nvSpPr>
         <p:spPr>
           <a:xfrm rot="0">
-            <a:off x="8631971" y="8767445"/>
-            <a:ext cx="8627329" cy="986209"/>
+            <a:off x="8631971" y="8776970"/>
+            <a:ext cx="8627329" cy="976684"/>
           </a:xfrm>
           <a:prstGeom prst="rect">
             <a:avLst/>
@@ -3155,10 +3155,10 @@
                 <a:solidFill>
                   <a:srgbClr val="000000"/>
                 </a:solidFill>
-                <a:latin typeface="Hanuman"/>
-                <a:ea typeface="Hanuman"/>
-                <a:cs typeface="Hanuman"/>
-                <a:sym typeface="Hanuman"/>
+                <a:latin typeface="Open Sans"/>
+                <a:ea typeface="Open Sans"/>
+                <a:cs typeface="Open Sans"/>
+                <a:sym typeface="Open Sans"/>
               </a:rPr>
               <a:t>Abhishek Sahoo, Ayush Chakraborty, Nishant Pandey, Vikram Pathak, Yash Joglekar</a:t>
             </a:r>
@@ -3173,8 +3173,8 @@
         </p:nvSpPr>
         <p:spPr>
           <a:xfrm rot="0">
-            <a:off x="14726976" y="1099820"/>
-            <a:ext cx="2532324" cy="1106697"/>
+            <a:off x="14483827" y="1109345"/>
+            <a:ext cx="2775473" cy="1097172"/>
           </a:xfrm>
           <a:prstGeom prst="rect">
             <a:avLst/>
@@ -3196,10 +3196,10 @@
                 <a:solidFill>
                   <a:srgbClr val="000000"/>
                 </a:solidFill>
-                <a:latin typeface="Hanuman"/>
-                <a:ea typeface="Hanuman"/>
-                <a:cs typeface="Hanuman"/>
-                <a:sym typeface="Hanuman"/>
+                <a:latin typeface="Open Sans"/>
+                <a:ea typeface="Open Sans"/>
+                <a:cs typeface="Open Sans"/>
+                <a:sym typeface="Open Sans"/>
               </a:rPr>
               <a:t>Generative</a:t>
             </a:r>
@@ -3215,10 +3215,10 @@
                 <a:solidFill>
                   <a:srgbClr val="000000"/>
                 </a:solidFill>
-                <a:latin typeface="Hanuman"/>
-                <a:ea typeface="Hanuman"/>
-                <a:cs typeface="Hanuman"/>
-                <a:sym typeface="Hanuman"/>
+                <a:latin typeface="Open Sans"/>
+                <a:ea typeface="Open Sans"/>
+                <a:cs typeface="Open Sans"/>
+                <a:sym typeface="Open Sans"/>
               </a:rPr>
               <a:t>AI</a:t>
             </a:r>
@@ -3258,7 +3258,7 @@
 </file>
 
 <file path=ppt/slides/slide2.xml><?xml version="1.0" encoding="utf-8"?>
-<p:sld xmlns:p="http://schemas.openxmlformats.org/presentationml/2006/main" xmlns:a="http://schemas.openxmlformats.org/drawingml/2006/main">
+<p:sld xmlns:p="http://schemas.openxmlformats.org/presentationml/2006/main" xmlns:a="http://schemas.openxmlformats.org/drawingml/2006/main" xmlns:r="http://schemas.openxmlformats.org/officeDocument/2006/relationships">
   <p:cSld>
     <p:bg>
       <p:bgPr>
@@ -3283,14 +3283,60 @@
       </p:grpSpPr>
       <p:sp>
         <p:nvSpPr>
-          <p:cNvPr name="TextBox 2" id="2"/>
+          <p:cNvPr name="Freeform 2" id="2"/>
+          <p:cNvSpPr/>
+          <p:nvPr/>
+        </p:nvSpPr>
+        <p:spPr>
+          <a:xfrm flipH="false" flipV="false" rot="0">
+            <a:off x="8840638" y="3692204"/>
+            <a:ext cx="8418662" cy="4735497"/>
+          </a:xfrm>
+          <a:custGeom>
+            <a:avLst/>
+            <a:gdLst/>
+            <a:ahLst/>
+            <a:cxnLst/>
+            <a:rect r="r" b="b" t="t" l="l"/>
+            <a:pathLst>
+              <a:path h="4735497" w="8418662">
+                <a:moveTo>
+                  <a:pt x="0" y="0"/>
+                </a:moveTo>
+                <a:lnTo>
+                  <a:pt x="8418662" y="0"/>
+                </a:lnTo>
+                <a:lnTo>
+                  <a:pt x="8418662" y="4735497"/>
+                </a:lnTo>
+                <a:lnTo>
+                  <a:pt x="0" y="4735497"/>
+                </a:lnTo>
+                <a:lnTo>
+                  <a:pt x="0" y="0"/>
+                </a:lnTo>
+                <a:close/>
+              </a:path>
+            </a:pathLst>
+          </a:custGeom>
+          <a:blipFill>
+            <a:blip r:embed="rId2"/>
+            <a:stretch>
+              <a:fillRect l="0" t="0" r="0" b="0"/>
+            </a:stretch>
+          </a:blipFill>
+        </p:spPr>
+      </p:sp>
+      <p:sp>
+        <p:nvSpPr>
+          <p:cNvPr name="TextBox 3" id="3"/>
           <p:cNvSpPr txBox="true"/>
           <p:nvPr/>
         </p:nvSpPr>
         <p:spPr>
           <a:xfrm rot="0">
-            <a:off x="6588125" y="1209675"/>
-            <a:ext cx="8382000" cy="1647825"/>
+            <a:off x="1028700" y="1257300"/>
+            <a:ext cx="16230600" cy="1600200"/>
           </a:xfrm>
           <a:prstGeom prst="rect">
             <a:avLst/>
@@ -3312,39 +3358,15 @@
                 <a:solidFill>
                   <a:srgbClr val="018575"/>
                 </a:solidFill>
-                <a:latin typeface="Hanuman"/>
-                <a:ea typeface="Hanuman"/>
-                <a:cs typeface="Hanuman"/>
-                <a:sym typeface="Hanuman"/>
+                <a:latin typeface="Open Sans"/>
+                <a:ea typeface="Open Sans"/>
+                <a:cs typeface="Open Sans"/>
+                <a:sym typeface="Open Sans"/>
               </a:rPr>
               <a:t>Introduction</a:t>
             </a:r>
           </a:p>
         </p:txBody>
-      </p:sp>
-      <p:sp>
-        <p:nvSpPr>
-          <p:cNvPr name="AutoShape 3" id="3"/>
-          <p:cNvSpPr/>
-          <p:nvPr/>
-        </p:nvSpPr>
-        <p:spPr>
-          <a:xfrm flipV="true">
-            <a:off x="5543274" y="1033462"/>
-            <a:ext cx="0" cy="8224838"/>
-          </a:xfrm>
-          <a:prstGeom prst="line">
-            <a:avLst/>
-          </a:prstGeom>
-          <a:ln cap="flat" w="19050">
-            <a:solidFill>
-              <a:srgbClr val="FFD7DC"/>
-            </a:solidFill>
-            <a:prstDash val="solid"/>
-            <a:headEnd type="none" len="sm" w="sm"/>
-            <a:tailEnd type="none" len="sm" w="sm"/>
-          </a:ln>
-        </p:spPr>
       </p:sp>
       <p:sp>
         <p:nvSpPr>
@@ -3354,8 +3376,8 @@
         </p:nvSpPr>
         <p:spPr>
           <a:xfrm rot="0">
-            <a:off x="6616700" y="3323590"/>
-            <a:ext cx="8353425" cy="6391531"/>
+            <a:off x="1028700" y="3286182"/>
+            <a:ext cx="7347820" cy="5934358"/>
           </a:xfrm>
           <a:prstGeom prst="rect">
             <a:avLst/>
@@ -3379,13 +3401,44 @@
                 <a:solidFill>
                   <a:srgbClr val="000000"/>
                 </a:solidFill>
-                <a:latin typeface="Hanuman"/>
-                <a:ea typeface="Hanuman"/>
-                <a:cs typeface="Hanuman"/>
-                <a:sym typeface="Hanuman"/>
-              </a:rPr>
-              <a:t>The Multi-Agent Chatbot for Gen AI is an advanced conversational system designed to improve response accuracy and efficiency by utilizing multiple specialized agents. </a:t>
-            </a:r>
+                <a:latin typeface="Open Sans"/>
+                <a:ea typeface="Open Sans"/>
+                <a:cs typeface="Open Sans"/>
+                <a:sym typeface="Open Sans"/>
+              </a:rPr>
+              <a:t>The </a:t>
+            </a:r>
+            <a:r>
+              <a:rPr lang="en-US" b="true" sz="2600">
+                <a:solidFill>
+                  <a:srgbClr val="000000"/>
+                </a:solidFill>
+                <a:latin typeface="Open Sans Bold"/>
+                <a:ea typeface="Open Sans Bold"/>
+                <a:cs typeface="Open Sans Bold"/>
+                <a:sym typeface="Open Sans Bold"/>
+              </a:rPr>
+              <a:t>Multi-Agent Chatbot </a:t>
+            </a:r>
+            <a:r>
+              <a:rPr lang="en-US" sz="2600">
+                <a:solidFill>
+                  <a:srgbClr val="000000"/>
+                </a:solidFill>
+                <a:latin typeface="Open Sans"/>
+                <a:ea typeface="Open Sans"/>
+                <a:cs typeface="Open Sans"/>
+                <a:sym typeface="Open Sans"/>
+              </a:rPr>
+              <a:t>is an advanced conversational system designed to improve response accuracy and efficiency by utilizing multiple specialized agents. </a:t>
+            </a:r>
+          </a:p>
+          <a:p>
+            <a:pPr algn="l">
+              <a:lnSpc>
+                <a:spcPts val="3640"/>
+              </a:lnSpc>
+            </a:pPr>
           </a:p>
           <a:p>
             <a:pPr algn="l" marL="561341" indent="-280670" lvl="1">
@@ -3400,12 +3453,36 @@
                 <a:solidFill>
                   <a:srgbClr val="000000"/>
                 </a:solidFill>
-                <a:latin typeface="Hanuman"/>
-                <a:ea typeface="Hanuman"/>
-                <a:cs typeface="Hanuman"/>
-                <a:sym typeface="Hanuman"/>
-              </a:rPr>
-              <a:t>A Supervisor Agent dynamically routes queries to the most suitable agent:</a:t>
+                <a:latin typeface="Open Sans"/>
+                <a:ea typeface="Open Sans"/>
+                <a:cs typeface="Open Sans"/>
+                <a:sym typeface="Open Sans"/>
+              </a:rPr>
+              <a:t>A </a:t>
+            </a:r>
+            <a:r>
+              <a:rPr lang="en-US" b="true" sz="2600">
+                <a:solidFill>
+                  <a:srgbClr val="000000"/>
+                </a:solidFill>
+                <a:latin typeface="Open Sans Bold"/>
+                <a:ea typeface="Open Sans Bold"/>
+                <a:cs typeface="Open Sans Bold"/>
+                <a:sym typeface="Open Sans Bold"/>
+              </a:rPr>
+              <a:t>Supervisor Agent</a:t>
+            </a:r>
+            <a:r>
+              <a:rPr lang="en-US" sz="2600">
+                <a:solidFill>
+                  <a:srgbClr val="000000"/>
+                </a:solidFill>
+                <a:latin typeface="Open Sans"/>
+                <a:ea typeface="Open Sans"/>
+                <a:cs typeface="Open Sans"/>
+                <a:sym typeface="Open Sans"/>
+              </a:rPr>
+              <a:t> dynamically routes queries to the most suitable agent:</a:t>
             </a:r>
           </a:p>
           <a:p>
@@ -3421,10 +3498,10 @@
                 <a:solidFill>
                   <a:srgbClr val="000000"/>
                 </a:solidFill>
-                <a:latin typeface="Hanuman Bold"/>
-                <a:ea typeface="Hanuman Bold"/>
-                <a:cs typeface="Hanuman Bold"/>
-                <a:sym typeface="Hanuman Bold"/>
+                <a:latin typeface="Open Sans Bold"/>
+                <a:ea typeface="Open Sans Bold"/>
+                <a:cs typeface="Open Sans Bold"/>
+                <a:sym typeface="Open Sans Bold"/>
               </a:rPr>
               <a:t>Enhancer</a:t>
             </a:r>
@@ -3433,10 +3510,10 @@
                 <a:solidFill>
                   <a:srgbClr val="000000"/>
                 </a:solidFill>
-                <a:latin typeface="Hanuman"/>
-                <a:ea typeface="Hanuman"/>
-                <a:cs typeface="Hanuman"/>
-                <a:sym typeface="Hanuman"/>
+                <a:latin typeface="Open Sans"/>
+                <a:ea typeface="Open Sans"/>
+                <a:cs typeface="Open Sans"/>
+                <a:sym typeface="Open Sans"/>
               </a:rPr>
               <a:t> for refining prompts</a:t>
             </a:r>
@@ -3454,10 +3531,10 @@
                 <a:solidFill>
                   <a:srgbClr val="000000"/>
                 </a:solidFill>
-                <a:latin typeface="Hanuman Bold"/>
-                <a:ea typeface="Hanuman Bold"/>
-                <a:cs typeface="Hanuman Bold"/>
-                <a:sym typeface="Hanuman Bold"/>
+                <a:latin typeface="Open Sans Bold"/>
+                <a:ea typeface="Open Sans Bold"/>
+                <a:cs typeface="Open Sans Bold"/>
+                <a:sym typeface="Open Sans Bold"/>
               </a:rPr>
               <a:t>Researcher</a:t>
             </a:r>
@@ -3466,10 +3543,10 @@
                 <a:solidFill>
                   <a:srgbClr val="000000"/>
                 </a:solidFill>
-                <a:latin typeface="Hanuman"/>
-                <a:ea typeface="Hanuman"/>
-                <a:cs typeface="Hanuman"/>
-                <a:sym typeface="Hanuman"/>
+                <a:latin typeface="Open Sans"/>
+                <a:ea typeface="Open Sans"/>
+                <a:cs typeface="Open Sans"/>
+                <a:sym typeface="Open Sans"/>
               </a:rPr>
               <a:t> for fetching real-time information</a:t>
             </a:r>
@@ -3483,16 +3560,28 @@
               <a:buChar char="⚬"/>
             </a:pPr>
             <a:r>
+              <a:rPr lang="en-US" b="true" sz="2600">
+                <a:solidFill>
+                  <a:srgbClr val="000000"/>
+                </a:solidFill>
+                <a:latin typeface="Open Sans Bold"/>
+                <a:ea typeface="Open Sans Bold"/>
+                <a:cs typeface="Open Sans Bold"/>
+                <a:sym typeface="Open Sans Bold"/>
+              </a:rPr>
+              <a:t>Coder </a:t>
+            </a:r>
+            <a:r>
               <a:rPr lang="en-US" sz="2600">
                 <a:solidFill>
                   <a:srgbClr val="000000"/>
                 </a:solidFill>
-                <a:latin typeface="Hanuman"/>
-                <a:ea typeface="Hanuman"/>
-                <a:cs typeface="Hanuman"/>
-                <a:sym typeface="Hanuman"/>
-              </a:rPr>
-              <a:t>Coder for executing technical tasks</a:t>
+                <a:latin typeface="Open Sans"/>
+                <a:ea typeface="Open Sans"/>
+                <a:cs typeface="Open Sans"/>
+                <a:sym typeface="Open Sans"/>
+              </a:rPr>
+              <a:t>for executing technical tasks</a:t>
             </a:r>
           </a:p>
           <a:p>
@@ -3504,37 +3593,28 @@
               <a:buChar char="⚬"/>
             </a:pPr>
             <a:r>
+              <a:rPr lang="en-US" b="true" sz="2600">
+                <a:solidFill>
+                  <a:srgbClr val="000000"/>
+                </a:solidFill>
+                <a:latin typeface="Open Sans Bold"/>
+                <a:ea typeface="Open Sans Bold"/>
+                <a:cs typeface="Open Sans Bold"/>
+                <a:sym typeface="Open Sans Bold"/>
+              </a:rPr>
+              <a:t>Validator </a:t>
+            </a:r>
+            <a:r>
               <a:rPr lang="en-US" sz="2600">
                 <a:solidFill>
                   <a:srgbClr val="000000"/>
                 </a:solidFill>
-                <a:latin typeface="Hanuman"/>
-                <a:ea typeface="Hanuman"/>
-                <a:cs typeface="Hanuman"/>
-                <a:sym typeface="Hanuman"/>
-              </a:rPr>
-              <a:t>Validator for ensuring answer correctness.</a:t>
-            </a:r>
-          </a:p>
-          <a:p>
-            <a:pPr algn="l" marL="561341" indent="-280670" lvl="1">
-              <a:lnSpc>
-                <a:spcPts val="3640"/>
-              </a:lnSpc>
-              <a:buFont typeface="Arial"/>
-              <a:buChar char="•"/>
-            </a:pPr>
-            <a:r>
-              <a:rPr lang="en-US" sz="2600">
-                <a:solidFill>
-                  <a:srgbClr val="000000"/>
-                </a:solidFill>
-                <a:latin typeface="Hanuman"/>
-                <a:ea typeface="Hanuman"/>
-                <a:cs typeface="Hanuman"/>
-                <a:sym typeface="Hanuman"/>
-              </a:rPr>
-              <a:t>This modular and scalable architecture enables parallel processing, domain expertise specialization, and optimized task execution, resulting in more accurate, efficient, and context-aware responses.</a:t>
+                <a:latin typeface="Open Sans"/>
+                <a:ea typeface="Open Sans"/>
+                <a:cs typeface="Open Sans"/>
+                <a:sym typeface="Open Sans"/>
+              </a:rPr>
+              <a:t>for ensuring answer correctness.</a:t>
             </a:r>
           </a:p>
         </p:txBody>
@@ -3544,6 +3624,9 @@
   <p:clrMapOvr>
     <a:masterClrMapping/>
   </p:clrMapOvr>
+  <p:transition spd="slow">
+    <p:push dir="l"/>
+  </p:transition>
 </p:sld>
 </file>
 
@@ -3710,10 +3793,10 @@
                 <a:solidFill>
                   <a:srgbClr val="000000"/>
                 </a:solidFill>
-                <a:latin typeface="Hanuman"/>
-                <a:ea typeface="Hanuman"/>
-                <a:cs typeface="Hanuman"/>
-                <a:sym typeface="Hanuman"/>
+                <a:latin typeface="Open Sans"/>
+                <a:ea typeface="Open Sans"/>
+                <a:cs typeface="Open Sans"/>
+                <a:sym typeface="Open Sans"/>
               </a:rPr>
               <a:t>Tasks are handled in a parallel and specialized manner.</a:t>
             </a:r>
@@ -3738,10 +3821,10 @@
                 <a:solidFill>
                   <a:srgbClr val="000000"/>
                 </a:solidFill>
-                <a:latin typeface="Hanuman"/>
-                <a:ea typeface="Hanuman"/>
-                <a:cs typeface="Hanuman"/>
-                <a:sym typeface="Hanuman"/>
+                <a:latin typeface="Open Sans"/>
+                <a:ea typeface="Open Sans"/>
+                <a:cs typeface="Open Sans"/>
+                <a:sym typeface="Open Sans"/>
               </a:rPr>
               <a:t>Allows for scalability and modular design to improve chatbot efficiency.</a:t>
             </a:r>
@@ -3766,10 +3849,10 @@
                 <a:solidFill>
                   <a:srgbClr val="000000"/>
                 </a:solidFill>
-                <a:latin typeface="Hanuman"/>
-                <a:ea typeface="Hanuman"/>
-                <a:cs typeface="Hanuman"/>
-                <a:sym typeface="Hanuman"/>
+                <a:latin typeface="Open Sans"/>
+                <a:ea typeface="Open Sans"/>
+                <a:cs typeface="Open Sans"/>
+                <a:sym typeface="Open Sans"/>
               </a:rPr>
               <a:t>Reduces reliance on a single model, improving accuracy and task handling.</a:t>
             </a:r>
@@ -3791,8 +3874,8 @@
         </p:nvSpPr>
         <p:spPr>
           <a:xfrm rot="0">
-            <a:off x="1028700" y="1209675"/>
-            <a:ext cx="12836883" cy="3171825"/>
+            <a:off x="1028700" y="1257300"/>
+            <a:ext cx="12836883" cy="3124200"/>
           </a:xfrm>
           <a:prstGeom prst="rect">
             <a:avLst/>
@@ -3814,10 +3897,10 @@
                 <a:solidFill>
                   <a:srgbClr val="018575"/>
                 </a:solidFill>
-                <a:latin typeface="Hanuman"/>
-                <a:ea typeface="Hanuman"/>
-                <a:cs typeface="Hanuman"/>
-                <a:sym typeface="Hanuman"/>
+                <a:latin typeface="Open Sans"/>
+                <a:ea typeface="Open Sans"/>
+                <a:cs typeface="Open Sans"/>
+                <a:sym typeface="Open Sans"/>
               </a:rPr>
               <a:t>Why multiple agents?</a:t>
             </a:r>
@@ -3829,6 +3912,9 @@
   <p:clrMapOvr>
     <a:masterClrMapping/>
   </p:clrMapOvr>
+  <p:transition spd="slow">
+    <p:push dir="l"/>
+  </p:transition>
 </p:sld>
 </file>
 
@@ -3908,6 +3994,11 @@
             <a:solidFill>
               <a:srgbClr val="018575"/>
             </a:solidFill>
+            <a:ln cap="sq">
+              <a:noFill/>
+              <a:prstDash val="solid"/>
+              <a:miter/>
+            </a:ln>
           </p:spPr>
         </p:sp>
         <p:sp>
@@ -3929,10 +4020,13 @@
             <a:bodyPr anchor="ctr" rtlCol="false" tIns="50800" lIns="50800" bIns="50800" rIns="50800"/>
             <a:lstStyle/>
             <a:p>
-              <a:pPr algn="ctr">
+              <a:pPr algn="ctr" marL="0" indent="0" lvl="0">
                 <a:lnSpc>
                   <a:spcPts val="1934"/>
                 </a:lnSpc>
+                <a:spcBef>
+                  <a:spcPct val="0"/>
+                </a:spcBef>
               </a:pPr>
             </a:p>
           </p:txBody>
@@ -3970,8 +4064,8 @@
         </p:nvSpPr>
         <p:spPr>
           <a:xfrm rot="0">
-            <a:off x="1028700" y="4237990"/>
-            <a:ext cx="10671175" cy="5020012"/>
+            <a:off x="1028700" y="4695461"/>
+            <a:ext cx="10671175" cy="4562839"/>
           </a:xfrm>
           <a:prstGeom prst="rect">
             <a:avLst/>
@@ -3991,26 +4085,38 @@
               <a:buChar char="•"/>
             </a:pPr>
             <a:r>
+              <a:rPr lang="en-US" b="true" sz="2600">
+                <a:solidFill>
+                  <a:srgbClr val="000000"/>
+                </a:solidFill>
+                <a:latin typeface="Open Sans Bold"/>
+                <a:ea typeface="Open Sans Bold"/>
+                <a:cs typeface="Open Sans Bold"/>
+                <a:sym typeface="Open Sans Bold"/>
+              </a:rPr>
+              <a:t>Supervisor Agent: </a:t>
+            </a:r>
+            <a:r>
               <a:rPr lang="en-US" sz="2600">
                 <a:solidFill>
                   <a:srgbClr val="000000"/>
                 </a:solidFill>
-                <a:latin typeface="Hanuman"/>
-                <a:ea typeface="Hanuman"/>
-                <a:cs typeface="Hanuman"/>
-                <a:sym typeface="Hanuman"/>
-              </a:rPr>
-              <a:t>Supervisor Agent: Routes tasks</a:t>
+                <a:latin typeface="Open Sans"/>
+                <a:ea typeface="Open Sans"/>
+                <a:cs typeface="Open Sans"/>
+                <a:sym typeface="Open Sans"/>
+              </a:rPr>
+              <a:t>Routes tasks</a:t>
             </a:r>
             <a:r>
               <a:rPr lang="en-US" sz="2600">
                 <a:solidFill>
                   <a:srgbClr val="000000"/>
                 </a:solidFill>
-                <a:latin typeface="Hanuman"/>
-                <a:ea typeface="Hanuman"/>
-                <a:cs typeface="Hanuman"/>
-                <a:sym typeface="Hanuman"/>
+                <a:latin typeface="Open Sans"/>
+                <a:ea typeface="Open Sans"/>
+                <a:cs typeface="Open Sans"/>
+                <a:sym typeface="Open Sans"/>
               </a:rPr>
               <a:t> to the appropriate agent.</a:t>
             </a:r>
@@ -4031,16 +4137,28 @@
               <a:buChar char="•"/>
             </a:pPr>
             <a:r>
+              <a:rPr lang="en-US" b="true" sz="2600">
+                <a:solidFill>
+                  <a:srgbClr val="000000"/>
+                </a:solidFill>
+                <a:latin typeface="Open Sans Bold"/>
+                <a:ea typeface="Open Sans Bold"/>
+                <a:cs typeface="Open Sans Bold"/>
+                <a:sym typeface="Open Sans Bold"/>
+              </a:rPr>
+              <a:t>Enhancer Agent: </a:t>
+            </a:r>
+            <a:r>
               <a:rPr lang="en-US" sz="2600">
                 <a:solidFill>
                   <a:srgbClr val="000000"/>
                 </a:solidFill>
-                <a:latin typeface="Hanuman"/>
-                <a:ea typeface="Hanuman"/>
-                <a:cs typeface="Hanuman"/>
-                <a:sym typeface="Hanuman"/>
-              </a:rPr>
-              <a:t>Enhancer Agent: Refines and clarifies vague user queries.</a:t>
+                <a:latin typeface="Open Sans"/>
+                <a:ea typeface="Open Sans"/>
+                <a:cs typeface="Open Sans"/>
+                <a:sym typeface="Open Sans"/>
+              </a:rPr>
+              <a:t>Refines and clarifies vague user queries.</a:t>
             </a:r>
           </a:p>
           <a:p>
@@ -4059,16 +4177,28 @@
               <a:buChar char="•"/>
             </a:pPr>
             <a:r>
+              <a:rPr lang="en-US" b="true" sz="2600">
+                <a:solidFill>
+                  <a:srgbClr val="000000"/>
+                </a:solidFill>
+                <a:latin typeface="Open Sans Bold"/>
+                <a:ea typeface="Open Sans Bold"/>
+                <a:cs typeface="Open Sans Bold"/>
+                <a:sym typeface="Open Sans Bold"/>
+              </a:rPr>
+              <a:t>Researcher Agent: </a:t>
+            </a:r>
+            <a:r>
               <a:rPr lang="en-US" sz="2600">
                 <a:solidFill>
                   <a:srgbClr val="000000"/>
                 </a:solidFill>
-                <a:latin typeface="Hanuman"/>
-                <a:ea typeface="Hanuman"/>
-                <a:cs typeface="Hanuman"/>
-                <a:sym typeface="Hanuman"/>
-              </a:rPr>
-              <a:t>Researcher Agent: Fetches real-time information.</a:t>
+                <a:latin typeface="Open Sans"/>
+                <a:ea typeface="Open Sans"/>
+                <a:cs typeface="Open Sans"/>
+                <a:sym typeface="Open Sans"/>
+              </a:rPr>
+              <a:t>Fetches real-time information.</a:t>
             </a:r>
           </a:p>
           <a:p>
@@ -4087,16 +4217,28 @@
               <a:buChar char="•"/>
             </a:pPr>
             <a:r>
+              <a:rPr lang="en-US" b="true" sz="2600">
+                <a:solidFill>
+                  <a:srgbClr val="000000"/>
+                </a:solidFill>
+                <a:latin typeface="Open Sans Bold"/>
+                <a:ea typeface="Open Sans Bold"/>
+                <a:cs typeface="Open Sans Bold"/>
+                <a:sym typeface="Open Sans Bold"/>
+              </a:rPr>
+              <a:t>Coder Agent: </a:t>
+            </a:r>
+            <a:r>
               <a:rPr lang="en-US" sz="2600">
                 <a:solidFill>
                   <a:srgbClr val="000000"/>
                 </a:solidFill>
-                <a:latin typeface="Hanuman"/>
-                <a:ea typeface="Hanuman"/>
-                <a:cs typeface="Hanuman"/>
-                <a:sym typeface="Hanuman"/>
-              </a:rPr>
-              <a:t>Coder Agent: Solves coding and analytical tasks.</a:t>
+                <a:latin typeface="Open Sans"/>
+                <a:ea typeface="Open Sans"/>
+                <a:cs typeface="Open Sans"/>
+                <a:sym typeface="Open Sans"/>
+              </a:rPr>
+              <a:t>Solves coding and analytical tasks.</a:t>
             </a:r>
           </a:p>
           <a:p>
@@ -4115,16 +4257,28 @@
               <a:buChar char="•"/>
             </a:pPr>
             <a:r>
+              <a:rPr lang="en-US" b="true" sz="2600">
+                <a:solidFill>
+                  <a:srgbClr val="000000"/>
+                </a:solidFill>
+                <a:latin typeface="Open Sans Bold"/>
+                <a:ea typeface="Open Sans Bold"/>
+                <a:cs typeface="Open Sans Bold"/>
+                <a:sym typeface="Open Sans Bold"/>
+              </a:rPr>
+              <a:t>Validator Agent: </a:t>
+            </a:r>
+            <a:r>
               <a:rPr lang="en-US" sz="2600">
                 <a:solidFill>
                   <a:srgbClr val="000000"/>
                 </a:solidFill>
-                <a:latin typeface="Hanuman"/>
-                <a:ea typeface="Hanuman"/>
-                <a:cs typeface="Hanuman"/>
-                <a:sym typeface="Hanuman"/>
-              </a:rPr>
-              <a:t>Validator Agent: Ensures answer correctness and relevance.</a:t>
+                <a:latin typeface="Open Sans"/>
+                <a:ea typeface="Open Sans"/>
+                <a:cs typeface="Open Sans"/>
+                <a:sym typeface="Open Sans"/>
+              </a:rPr>
+              <a:t>Ensures answer correctness and relevance.</a:t>
             </a:r>
           </a:p>
           <a:p>
@@ -4134,13 +4288,6 @@
               </a:lnSpc>
             </a:pPr>
           </a:p>
-          <a:p>
-            <a:pPr algn="l">
-              <a:lnSpc>
-                <a:spcPts val="3640"/>
-              </a:lnSpc>
-            </a:pPr>
-          </a:p>
         </p:txBody>
       </p:sp>
       <p:sp>
@@ -4151,8 +4298,8 @@
         </p:nvSpPr>
         <p:spPr>
           <a:xfrm rot="0">
-            <a:off x="1028700" y="1209675"/>
-            <a:ext cx="12836883" cy="1647825"/>
+            <a:off x="1028700" y="1257300"/>
+            <a:ext cx="12836883" cy="3124200"/>
           </a:xfrm>
           <a:prstGeom prst="rect">
             <a:avLst/>
@@ -4174,10 +4321,10 @@
                 <a:solidFill>
                   <a:srgbClr val="018575"/>
                 </a:solidFill>
-                <a:latin typeface="Hanuman"/>
-                <a:ea typeface="Hanuman"/>
-                <a:cs typeface="Hanuman"/>
-                <a:sym typeface="Hanuman"/>
+                <a:latin typeface="Open Sans"/>
+                <a:ea typeface="Open Sans"/>
+                <a:cs typeface="Open Sans"/>
+                <a:sym typeface="Open Sans"/>
               </a:rPr>
               <a:t>Multi-Agent Design</a:t>
             </a:r>
@@ -4189,6 +4336,9 @@
   <p:clrMapOvr>
     <a:masterClrMapping/>
   </p:clrMapOvr>
+  <p:transition spd="slow">
+    <p:push dir="l"/>
+  </p:transition>
 </p:sld>
 </file>
 
@@ -4224,10 +4374,10 @@
         </p:nvGrpSpPr>
         <p:grpSpPr>
           <a:xfrm rot="0">
-            <a:off x="13865583" y="0"/>
-            <a:ext cx="4422417" cy="10287000"/>
+            <a:off x="12446936" y="0"/>
+            <a:ext cx="5841064" cy="10287000"/>
             <a:chOff x="0" y="0"/>
-            <a:chExt cx="1164752" cy="2709333"/>
+            <a:chExt cx="1538387" cy="2709333"/>
           </a:xfrm>
         </p:grpSpPr>
         <p:sp>
@@ -4239,7 +4389,7 @@
           <p:spPr>
             <a:xfrm flipH="false" flipV="false" rot="0">
               <a:off x="0" y="0"/>
-              <a:ext cx="1164752" cy="2709333"/>
+              <a:ext cx="1538387" cy="2709333"/>
             </a:xfrm>
             <a:custGeom>
               <a:avLst/>
@@ -4248,15 +4398,15 @@
               <a:cxnLst/>
               <a:rect r="r" b="b" t="t" l="l"/>
               <a:pathLst>
-                <a:path h="2709333" w="1164752">
+                <a:path h="2709333" w="1538387">
                   <a:moveTo>
                     <a:pt x="0" y="0"/>
                   </a:moveTo>
                   <a:lnTo>
-                    <a:pt x="1164752" y="0"/>
+                    <a:pt x="1538387" y="0"/>
                   </a:lnTo>
                   <a:lnTo>
-                    <a:pt x="1164752" y="2709333"/>
+                    <a:pt x="1538387" y="2709333"/>
                   </a:lnTo>
                   <a:lnTo>
                     <a:pt x="0" y="2709333"/>
@@ -4279,7 +4429,7 @@
           <p:spPr>
             <a:xfrm>
               <a:off x="0" y="-9525"/>
-              <a:ext cx="1164752" cy="2718858"/>
+              <a:ext cx="1538387" cy="2718858"/>
             </a:xfrm>
             <a:prstGeom prst="rect">
               <a:avLst/>
@@ -4298,30 +4448,52 @@
           </p:txBody>
         </p:sp>
       </p:grpSp>
-      <p:pic>
-        <p:nvPicPr>
-          <p:cNvPr name="Picture 5" id="5"/>
-          <p:cNvPicPr>
-            <a:picLocks noChangeAspect="true"/>
-          </p:cNvPicPr>
+      <p:sp>
+        <p:nvSpPr>
+          <p:cNvPr name="Freeform 5" id="5"/>
+          <p:cNvSpPr/>
           <p:nvPr/>
-        </p:nvPicPr>
-        <p:blipFill>
-          <a:blip r:embed="rId2"/>
-          <a:stretch>
-            <a:fillRect/>
-          </a:stretch>
-        </p:blipFill>
+        </p:nvSpPr>
         <p:spPr>
-          <a:xfrm rot="0">
-            <a:off x="14100825" y="197321"/>
-            <a:ext cx="3951932" cy="9976544"/>
+          <a:xfrm flipH="false" flipV="false" rot="0">
+            <a:off x="12867767" y="3155223"/>
+            <a:ext cx="4999401" cy="5059639"/>
           </a:xfrm>
-          <a:prstGeom prst="rect">
+          <a:custGeom>
             <a:avLst/>
-          </a:prstGeom>
+            <a:gdLst/>
+            <a:ahLst/>
+            <a:cxnLst/>
+            <a:rect r="r" b="b" t="t" l="l"/>
+            <a:pathLst>
+              <a:path h="5059639" w="4999401">
+                <a:moveTo>
+                  <a:pt x="0" y="0"/>
+                </a:moveTo>
+                <a:lnTo>
+                  <a:pt x="4999402" y="0"/>
+                </a:lnTo>
+                <a:lnTo>
+                  <a:pt x="4999402" y="5059639"/>
+                </a:lnTo>
+                <a:lnTo>
+                  <a:pt x="0" y="5059639"/>
+                </a:lnTo>
+                <a:lnTo>
+                  <a:pt x="0" y="0"/>
+                </a:lnTo>
+                <a:close/>
+              </a:path>
+            </a:pathLst>
+          </a:custGeom>
+          <a:blipFill>
+            <a:blip r:embed="rId2"/>
+            <a:stretch>
+              <a:fillRect l="0" t="0" r="0" b="-673"/>
+            </a:stretch>
+          </a:blipFill>
         </p:spPr>
-      </p:pic>
+      </p:sp>
       <p:sp>
         <p:nvSpPr>
           <p:cNvPr name="TextBox 6" id="6"/>
@@ -4330,8 +4502,8 @@
         </p:nvSpPr>
         <p:spPr>
           <a:xfrm rot="0">
-            <a:off x="1028700" y="3658173"/>
-            <a:ext cx="10671175" cy="5953435"/>
+            <a:off x="1028700" y="3416037"/>
+            <a:ext cx="10671175" cy="5496262"/>
           </a:xfrm>
           <a:prstGeom prst="rect">
             <a:avLst/>
@@ -4354,10 +4526,10 @@
                 <a:solidFill>
                   <a:srgbClr val="000000"/>
                 </a:solidFill>
-                <a:latin typeface="Hanuman"/>
-                <a:ea typeface="Hanuman"/>
-                <a:cs typeface="Hanuman"/>
-                <a:sym typeface="Hanuman"/>
+                <a:latin typeface="Open Sans"/>
+                <a:ea typeface="Open Sans"/>
+                <a:cs typeface="Open Sans"/>
+                <a:sym typeface="Open Sans"/>
               </a:rPr>
               <a:t>User sends a query.</a:t>
             </a:r>
@@ -4374,10 +4546,10 @@
                 <a:solidFill>
                   <a:srgbClr val="000000"/>
                 </a:solidFill>
-                <a:latin typeface="Hanuman"/>
-                <a:ea typeface="Hanuman"/>
-                <a:cs typeface="Hanuman"/>
-                <a:sym typeface="Hanuman"/>
+                <a:latin typeface="Open Sans"/>
+                <a:ea typeface="Open Sans"/>
+                <a:cs typeface="Open Sans"/>
+                <a:sym typeface="Open Sans"/>
               </a:rPr>
               <a:t>Supervisor Agent determines which agent should handle it.</a:t>
             </a:r>
@@ -4394,10 +4566,10 @@
                 <a:solidFill>
                   <a:srgbClr val="000000"/>
                 </a:solidFill>
-                <a:latin typeface="Hanuman"/>
-                <a:ea typeface="Hanuman"/>
-                <a:cs typeface="Hanuman"/>
-                <a:sym typeface="Hanuman"/>
+                <a:latin typeface="Open Sans"/>
+                <a:ea typeface="Open Sans"/>
+                <a:cs typeface="Open Sans"/>
+                <a:sym typeface="Open Sans"/>
               </a:rPr>
               <a:t>Query is processed by Enhancer, Researcher, or Coder as needed.</a:t>
             </a:r>
@@ -4414,10 +4586,10 @@
                 <a:solidFill>
                   <a:srgbClr val="000000"/>
                 </a:solidFill>
-                <a:latin typeface="Hanuman"/>
-                <a:ea typeface="Hanuman"/>
-                <a:cs typeface="Hanuman"/>
-                <a:sym typeface="Hanuman"/>
+                <a:latin typeface="Open Sans"/>
+                <a:ea typeface="Open Sans"/>
+                <a:cs typeface="Open Sans"/>
+                <a:sym typeface="Open Sans"/>
               </a:rPr>
               <a:t>Validator Agent reviews the output for correctness.</a:t>
             </a:r>
@@ -4434,10 +4606,10 @@
                 <a:solidFill>
                   <a:srgbClr val="000000"/>
                 </a:solidFill>
-                <a:latin typeface="Hanuman"/>
-                <a:ea typeface="Hanuman"/>
-                <a:cs typeface="Hanuman"/>
-                <a:sym typeface="Hanuman"/>
+                <a:latin typeface="Open Sans"/>
+                <a:ea typeface="Open Sans"/>
+                <a:cs typeface="Open Sans"/>
+                <a:sym typeface="Open Sans"/>
               </a:rPr>
               <a:t>Final response is sent to the user.</a:t>
             </a:r>
@@ -4456,14 +4628,14 @@
               </a:lnSpc>
             </a:pPr>
             <a:r>
-              <a:rPr lang="en-US" sz="2700">
+              <a:rPr lang="en-US" sz="2700" b="true">
                 <a:solidFill>
                   <a:srgbClr val="000000"/>
                 </a:solidFill>
-                <a:latin typeface="Hanuman"/>
-                <a:ea typeface="Hanuman"/>
-                <a:cs typeface="Hanuman"/>
-                <a:sym typeface="Hanuman"/>
+                <a:latin typeface="Open Sans Bold"/>
+                <a:ea typeface="Open Sans Bold"/>
+                <a:cs typeface="Open Sans Bold"/>
+                <a:sym typeface="Open Sans Bold"/>
               </a:rPr>
               <a:t>Example Use Cases:</a:t>
             </a:r>
@@ -4481,10 +4653,10 @@
                 <a:solidFill>
                   <a:srgbClr val="000000"/>
                 </a:solidFill>
-                <a:latin typeface="Hanuman"/>
-                <a:ea typeface="Hanuman"/>
-                <a:cs typeface="Hanuman"/>
-                <a:sym typeface="Hanuman"/>
+                <a:latin typeface="Open Sans"/>
+                <a:ea typeface="Open Sans"/>
+                <a:cs typeface="Open Sans"/>
+                <a:sym typeface="Open Sans"/>
               </a:rPr>
               <a:t>A user asks for the weather → Researcher Agent retrieves real-time data.</a:t>
             </a:r>
@@ -4502,31 +4674,10 @@
                 <a:solidFill>
                   <a:srgbClr val="000000"/>
                 </a:solidFill>
-                <a:latin typeface="Hanuman"/>
-                <a:ea typeface="Hanuman"/>
-                <a:cs typeface="Hanuman"/>
-                <a:sym typeface="Hanuman"/>
-              </a:rPr>
-              <a:t>A user asks for a stock price comparison → Researcher Agent fetches historical stock data.</a:t>
-            </a:r>
-          </a:p>
-          <a:p>
-            <a:pPr algn="l" marL="561341" indent="-280670" lvl="1">
-              <a:lnSpc>
-                <a:spcPts val="3640"/>
-              </a:lnSpc>
-              <a:buFont typeface="Arial"/>
-              <a:buChar char="•"/>
-            </a:pPr>
-            <a:r>
-              <a:rPr lang="en-US" sz="2600">
-                <a:solidFill>
-                  <a:srgbClr val="000000"/>
-                </a:solidFill>
-                <a:latin typeface="Hanuman"/>
-                <a:ea typeface="Hanuman"/>
-                <a:cs typeface="Hanuman"/>
-                <a:sym typeface="Hanuman"/>
+                <a:latin typeface="Open Sans"/>
+                <a:ea typeface="Open Sans"/>
+                <a:cs typeface="Open Sans"/>
+                <a:sym typeface="Open Sans"/>
               </a:rPr>
               <a:t>A user asks for Python code execution → Coder Agent processes and returns the output.</a:t>
             </a:r>
@@ -4541,8 +4692,8 @@
         </p:nvSpPr>
         <p:spPr>
           <a:xfrm rot="0">
-            <a:off x="1028700" y="1209675"/>
-            <a:ext cx="12836883" cy="1647825"/>
+            <a:off x="1028700" y="1257300"/>
+            <a:ext cx="12836883" cy="1600200"/>
           </a:xfrm>
           <a:prstGeom prst="rect">
             <a:avLst/>
@@ -4564,12 +4715,12 @@
                 <a:solidFill>
                   <a:srgbClr val="018575"/>
                 </a:solidFill>
-                <a:latin typeface="Hanuman"/>
-                <a:ea typeface="Hanuman"/>
-                <a:cs typeface="Hanuman"/>
-                <a:sym typeface="Hanuman"/>
-              </a:rPr>
-              <a:t>Step-by-Step Flow</a:t>
+                <a:latin typeface="Open Sans"/>
+                <a:ea typeface="Open Sans"/>
+                <a:cs typeface="Open Sans"/>
+                <a:sym typeface="Open Sans"/>
+              </a:rPr>
+              <a:t>Work-Flow</a:t>
             </a:r>
           </a:p>
         </p:txBody>
@@ -4579,6 +4730,9 @@
   <p:clrMapOvr>
     <a:masterClrMapping/>
   </p:clrMapOvr>
+  <p:transition spd="slow">
+    <p:push dir="l"/>
+  </p:transition>
 </p:sld>
 </file>
 
@@ -4741,16 +4895,28 @@
               <a:buChar char="•"/>
             </a:pPr>
             <a:r>
+              <a:rPr lang="en-US" b="true" sz="2600">
+                <a:solidFill>
+                  <a:srgbClr val="000000"/>
+                </a:solidFill>
+                <a:latin typeface="Open Sans Bold"/>
+                <a:ea typeface="Open Sans Bold"/>
+                <a:cs typeface="Open Sans Bold"/>
+                <a:sym typeface="Open Sans Bold"/>
+              </a:rPr>
+              <a:t>Handling Conflicting Outputs: </a:t>
+            </a:r>
+            <a:r>
               <a:rPr lang="en-US" sz="2600">
                 <a:solidFill>
                   <a:srgbClr val="000000"/>
                 </a:solidFill>
-                <a:latin typeface="Hanuman"/>
-                <a:ea typeface="Hanuman"/>
-                <a:cs typeface="Hanuman"/>
-                <a:sym typeface="Hanuman"/>
-              </a:rPr>
-              <a:t>Handling Conflicting Outputs: Ensuring that different agents provide coherent answers</a:t>
+                <a:latin typeface="Open Sans"/>
+                <a:ea typeface="Open Sans"/>
+                <a:cs typeface="Open Sans"/>
+                <a:sym typeface="Open Sans"/>
+              </a:rPr>
+              <a:t>Ensuring that different agents provide coherent answers</a:t>
             </a:r>
           </a:p>
           <a:p>
@@ -4769,16 +4935,28 @@
               <a:buChar char="•"/>
             </a:pPr>
             <a:r>
+              <a:rPr lang="en-US" b="true" sz="2600">
+                <a:solidFill>
+                  <a:srgbClr val="000000"/>
+                </a:solidFill>
+                <a:latin typeface="Open Sans Bold"/>
+                <a:ea typeface="Open Sans Bold"/>
+                <a:cs typeface="Open Sans Bold"/>
+                <a:sym typeface="Open Sans Bold"/>
+              </a:rPr>
+              <a:t>Efficiency &amp; Low Latency: </a:t>
+            </a:r>
+            <a:r>
               <a:rPr lang="en-US" sz="2600">
                 <a:solidFill>
                   <a:srgbClr val="000000"/>
                 </a:solidFill>
-                <a:latin typeface="Hanuman"/>
-                <a:ea typeface="Hanuman"/>
-                <a:cs typeface="Hanuman"/>
-                <a:sym typeface="Hanuman"/>
-              </a:rPr>
-              <a:t>Efficiency &amp; Low Latency: Reducing delays while maintaining high accuracy</a:t>
+                <a:latin typeface="Open Sans"/>
+                <a:ea typeface="Open Sans"/>
+                <a:cs typeface="Open Sans"/>
+                <a:sym typeface="Open Sans"/>
+              </a:rPr>
+              <a:t>Reducing delays while maintaining high accuracy</a:t>
             </a:r>
           </a:p>
           <a:p>
@@ -4797,16 +4975,28 @@
               <a:buChar char="•"/>
             </a:pPr>
             <a:r>
+              <a:rPr lang="en-US" b="true" sz="2600">
+                <a:solidFill>
+                  <a:srgbClr val="000000"/>
+                </a:solidFill>
+                <a:latin typeface="Open Sans Bold"/>
+                <a:ea typeface="Open Sans Bold"/>
+                <a:cs typeface="Open Sans Bold"/>
+                <a:sym typeface="Open Sans Bold"/>
+              </a:rPr>
+              <a:t>Task Prioritization: </a:t>
+            </a:r>
+            <a:r>
               <a:rPr lang="en-US" sz="2600">
                 <a:solidFill>
                   <a:srgbClr val="000000"/>
                 </a:solidFill>
-                <a:latin typeface="Hanuman"/>
-                <a:ea typeface="Hanuman"/>
-                <a:cs typeface="Hanuman"/>
-                <a:sym typeface="Hanuman"/>
-              </a:rPr>
-              <a:t>Task Prioritization: Ensuring the Supervisor Agent correctly assigns tasks to the best-fit agent</a:t>
+                <a:latin typeface="Open Sans"/>
+                <a:ea typeface="Open Sans"/>
+                <a:cs typeface="Open Sans"/>
+                <a:sym typeface="Open Sans"/>
+              </a:rPr>
+              <a:t>Ensuring the Supervisor Agent correctly assigns tasks to the best-fit agent</a:t>
             </a:r>
           </a:p>
         </p:txBody>
@@ -4819,8 +5009,8 @@
         </p:nvSpPr>
         <p:spPr>
           <a:xfrm rot="0">
-            <a:off x="1028700" y="1209675"/>
-            <a:ext cx="12836883" cy="1647825"/>
+            <a:off x="1028700" y="1257300"/>
+            <a:ext cx="12836883" cy="1600200"/>
           </a:xfrm>
           <a:prstGeom prst="rect">
             <a:avLst/>
@@ -4842,10 +5032,10 @@
                 <a:solidFill>
                   <a:srgbClr val="018575"/>
                 </a:solidFill>
-                <a:latin typeface="Hanuman"/>
-                <a:ea typeface="Hanuman"/>
-                <a:cs typeface="Hanuman"/>
-                <a:sym typeface="Hanuman"/>
+                <a:latin typeface="Open Sans"/>
+                <a:ea typeface="Open Sans"/>
+                <a:cs typeface="Open Sans"/>
+                <a:sym typeface="Open Sans"/>
               </a:rPr>
               <a:t>Key Challenges</a:t>
             </a:r>
@@ -4857,6 +5047,9 @@
   <p:clrMapOvr>
     <a:masterClrMapping/>
   </p:clrMapOvr>
+  <p:transition spd="slow">
+    <p:push dir="l"/>
+  </p:transition>
 </p:sld>
 </file>
 
@@ -4892,8 +5085,8 @@
         </p:nvSpPr>
         <p:spPr>
           <a:xfrm rot="0">
-            <a:off x="1028700" y="1209675"/>
-            <a:ext cx="8353425" cy="1647825"/>
+            <a:off x="1028700" y="1257300"/>
+            <a:ext cx="8353425" cy="1600200"/>
           </a:xfrm>
           <a:prstGeom prst="rect">
             <a:avLst/>
@@ -4915,10 +5108,10 @@
                 <a:solidFill>
                   <a:srgbClr val="F9F7F0"/>
                 </a:solidFill>
-                <a:latin typeface="Hanuman"/>
-                <a:ea typeface="Hanuman"/>
-                <a:cs typeface="Hanuman"/>
-                <a:sym typeface="Hanuman"/>
+                <a:latin typeface="Open Sans"/>
+                <a:ea typeface="Open Sans"/>
+                <a:cs typeface="Open Sans"/>
+                <a:sym typeface="Open Sans"/>
               </a:rPr>
               <a:t>Conclusion</a:t>
             </a:r>
@@ -4976,14 +5169,14 @@
               </a:lnSpc>
             </a:pPr>
             <a:r>
-              <a:rPr lang="en-US" sz="2700">
+              <a:rPr lang="en-US" sz="2700" b="true">
                 <a:solidFill>
                   <a:srgbClr val="F9F7F0"/>
                 </a:solidFill>
-                <a:latin typeface="Hanuman"/>
-                <a:ea typeface="Hanuman"/>
-                <a:cs typeface="Hanuman"/>
-                <a:sym typeface="Hanuman"/>
+                <a:latin typeface="Open Sans Bold"/>
+                <a:ea typeface="Open Sans Bold"/>
+                <a:cs typeface="Open Sans Bold"/>
+                <a:sym typeface="Open Sans Bold"/>
               </a:rPr>
               <a:t>Key Takeaways:</a:t>
             </a:r>
@@ -5001,10 +5194,10 @@
                 <a:solidFill>
                   <a:srgbClr val="F9F7F0"/>
                 </a:solidFill>
-                <a:latin typeface="Hanuman"/>
-                <a:ea typeface="Hanuman"/>
-                <a:cs typeface="Hanuman"/>
-                <a:sym typeface="Hanuman"/>
+                <a:latin typeface="Open Sans"/>
+                <a:ea typeface="Open Sans"/>
+                <a:cs typeface="Open Sans"/>
+                <a:sym typeface="Open Sans"/>
               </a:rPr>
               <a:t>Modular desi</a:t>
             </a:r>
@@ -5013,10 +5206,10 @@
                 <a:solidFill>
                   <a:srgbClr val="F9F7F0"/>
                 </a:solidFill>
-                <a:latin typeface="Hanuman"/>
-                <a:ea typeface="Hanuman"/>
-                <a:cs typeface="Hanuman"/>
-                <a:sym typeface="Hanuman"/>
+                <a:latin typeface="Open Sans"/>
+                <a:ea typeface="Open Sans"/>
+                <a:cs typeface="Open Sans"/>
+                <a:sym typeface="Open Sans"/>
               </a:rPr>
               <a:t>gn improves chatbot intelligence and accuracy.</a:t>
             </a:r>
@@ -5034,10 +5227,10 @@
                 <a:solidFill>
                   <a:srgbClr val="F9F7F0"/>
                 </a:solidFill>
-                <a:latin typeface="Hanuman"/>
-                <a:ea typeface="Hanuman"/>
-                <a:cs typeface="Hanuman"/>
-                <a:sym typeface="Hanuman"/>
+                <a:latin typeface="Open Sans"/>
+                <a:ea typeface="Open Sans"/>
+                <a:cs typeface="Open Sans"/>
+                <a:sym typeface="Open Sans"/>
               </a:rPr>
               <a:t>Specialized agents allow for better query handling.</a:t>
             </a:r>
@@ -5055,10 +5248,10 @@
                 <a:solidFill>
                   <a:srgbClr val="F9F7F0"/>
                 </a:solidFill>
-                <a:latin typeface="Hanuman"/>
-                <a:ea typeface="Hanuman"/>
-                <a:cs typeface="Hanuman"/>
-                <a:sym typeface="Hanuman"/>
+                <a:latin typeface="Open Sans"/>
+                <a:ea typeface="Open Sans"/>
+                <a:cs typeface="Open Sans"/>
+                <a:sym typeface="Open Sans"/>
               </a:rPr>
               <a:t>Ensures correctness via validation mechanisms.</a:t>
             </a:r>
@@ -5077,14 +5270,14 @@
               </a:lnSpc>
             </a:pPr>
             <a:r>
-              <a:rPr lang="en-US" sz="2700">
+              <a:rPr lang="en-US" sz="2700" b="true">
                 <a:solidFill>
                   <a:srgbClr val="F9F7F0"/>
                 </a:solidFill>
-                <a:latin typeface="Hanuman"/>
-                <a:ea typeface="Hanuman"/>
-                <a:cs typeface="Hanuman"/>
-                <a:sym typeface="Hanuman"/>
+                <a:latin typeface="Open Sans Bold"/>
+                <a:ea typeface="Open Sans Bold"/>
+                <a:cs typeface="Open Sans Bold"/>
+                <a:sym typeface="Open Sans Bold"/>
               </a:rPr>
               <a:t>Future Scope:</a:t>
             </a:r>
@@ -5102,10 +5295,10 @@
                 <a:solidFill>
                   <a:srgbClr val="F9F7F0"/>
                 </a:solidFill>
-                <a:latin typeface="Hanuman"/>
-                <a:ea typeface="Hanuman"/>
-                <a:cs typeface="Hanuman"/>
-                <a:sym typeface="Hanuman"/>
+                <a:latin typeface="Open Sans"/>
+                <a:ea typeface="Open Sans"/>
+                <a:cs typeface="Open Sans"/>
+                <a:sym typeface="Open Sans"/>
               </a:rPr>
               <a:t>Add more domain-specific agents (e.g., medical, legal, finance).</a:t>
             </a:r>
@@ -5123,10 +5316,10 @@
                 <a:solidFill>
                   <a:srgbClr val="F9F7F0"/>
                 </a:solidFill>
-                <a:latin typeface="Hanuman"/>
-                <a:ea typeface="Hanuman"/>
-                <a:cs typeface="Hanuman"/>
-                <a:sym typeface="Hanuman"/>
+                <a:latin typeface="Open Sans"/>
+                <a:ea typeface="Open Sans"/>
+                <a:cs typeface="Open Sans"/>
+                <a:sym typeface="Open Sans"/>
               </a:rPr>
               <a:t>Improve NLP capabilities with better query understanding.</a:t>
             </a:r>
@@ -5144,10 +5337,10 @@
                 <a:solidFill>
                   <a:srgbClr val="F9F7F0"/>
                 </a:solidFill>
-                <a:latin typeface="Hanuman"/>
-                <a:ea typeface="Hanuman"/>
-                <a:cs typeface="Hanuman"/>
-                <a:sym typeface="Hanuman"/>
+                <a:latin typeface="Open Sans"/>
+                <a:ea typeface="Open Sans"/>
+                <a:cs typeface="Open Sans"/>
+                <a:sym typeface="Open Sans"/>
               </a:rPr>
               <a:t>Optimize response speed using asynchronous processing.</a:t>
             </a:r>
@@ -5166,6 +5359,9 @@
   <p:clrMapOvr>
     <a:masterClrMapping/>
   </p:clrMapOvr>
+  <p:transition spd="slow">
+    <p:push dir="l"/>
+  </p:transition>
 </p:sld>
 </file>
 
@@ -5201,8 +5397,8 @@
         </p:nvSpPr>
         <p:spPr>
           <a:xfrm rot="0">
-            <a:off x="4967288" y="4410075"/>
-            <a:ext cx="8353425" cy="1647825"/>
+            <a:off x="1028700" y="3543300"/>
+            <a:ext cx="16230600" cy="1600200"/>
           </a:xfrm>
           <a:prstGeom prst="rect">
             <a:avLst/>
@@ -5214,7 +5410,7 @@
           </a:bodyPr>
           <a:lstStyle/>
           <a:p>
-            <a:pPr algn="l">
+            <a:pPr algn="ctr">
               <a:lnSpc>
                 <a:spcPts val="12000"/>
               </a:lnSpc>
@@ -5224,10 +5420,10 @@
                 <a:solidFill>
                   <a:srgbClr val="F9F7F0"/>
                 </a:solidFill>
-                <a:latin typeface="Hanuman"/>
-                <a:ea typeface="Hanuman"/>
-                <a:cs typeface="Hanuman"/>
-                <a:sym typeface="Hanuman"/>
+                <a:latin typeface="Open Sans"/>
+                <a:ea typeface="Open Sans"/>
+                <a:cs typeface="Open Sans"/>
+                <a:sym typeface="Open Sans"/>
               </a:rPr>
               <a:t>THANK YOU</a:t>
             </a:r>
@@ -5239,6 +5435,9 @@
   <p:clrMapOvr>
     <a:masterClrMapping/>
   </p:clrMapOvr>
+  <p:transition spd="slow">
+    <p:push dir="l"/>
+  </p:transition>
 </p:sld>
 </file>
 

--- a/Multi-Agent Chatbot.pptx
+++ b/Multi-Agent Chatbot.pptx
@@ -4874,8 +4874,8 @@
         </p:nvSpPr>
         <p:spPr>
           <a:xfrm rot="0">
-            <a:off x="1028700" y="3658173"/>
-            <a:ext cx="10671175" cy="3648493"/>
+            <a:off x="1028700" y="3732988"/>
+            <a:ext cx="10671175" cy="5477185"/>
           </a:xfrm>
           <a:prstGeom prst="rect">
             <a:avLst/>
@@ -4906,6 +4906,15 @@
               </a:rPr>
               <a:t>Handling Conflicting Outputs: </a:t>
             </a:r>
+          </a:p>
+          <a:p>
+            <a:pPr algn="l" marL="1122681" indent="-374227" lvl="2">
+              <a:lnSpc>
+                <a:spcPts val="3640"/>
+              </a:lnSpc>
+              <a:buFont typeface="Arial"/>
+              <a:buChar char="⚬"/>
+            </a:pPr>
             <a:r>
               <a:rPr lang="en-US" sz="2600">
                 <a:solidFill>
@@ -4916,15 +4925,8 @@
                 <a:cs typeface="Open Sans"/>
                 <a:sym typeface="Open Sans"/>
               </a:rPr>
-              <a:t>Ensuring that different agents provide coherent answers</a:t>
-            </a:r>
-          </a:p>
-          <a:p>
-            <a:pPr algn="l">
-              <a:lnSpc>
-                <a:spcPts val="3640"/>
-              </a:lnSpc>
-            </a:pPr>
+              <a:t>When multiple agents generate responses, the system must resolve inconsistencies and merge insights coherently to provide a unified, accurate answer</a:t>
+            </a:r>
           </a:p>
           <a:p>
             <a:pPr algn="l" marL="561341" indent="-280670" lvl="1">
@@ -4946,6 +4948,15 @@
               </a:rPr>
               <a:t>Efficiency &amp; Low Latency: </a:t>
             </a:r>
+          </a:p>
+          <a:p>
+            <a:pPr algn="l" marL="1122681" indent="-374227" lvl="2">
+              <a:lnSpc>
+                <a:spcPts val="3640"/>
+              </a:lnSpc>
+              <a:buFont typeface="Arial"/>
+              <a:buChar char="⚬"/>
+            </a:pPr>
             <a:r>
               <a:rPr lang="en-US" sz="2600">
                 <a:solidFill>
@@ -4956,15 +4967,8 @@
                 <a:cs typeface="Open Sans"/>
                 <a:sym typeface="Open Sans"/>
               </a:rPr>
-              <a:t>Reducing delays while maintaining high accuracy</a:t>
-            </a:r>
-          </a:p>
-          <a:p>
-            <a:pPr algn="l">
-              <a:lnSpc>
-                <a:spcPts val="3640"/>
-              </a:lnSpc>
-            </a:pPr>
+              <a:t>The chatbot must process queries quickly, optimize resource usage, and ensure that responses maintain high accuracy without unnecessary delays</a:t>
+            </a:r>
           </a:p>
           <a:p>
             <a:pPr algn="l" marL="561341" indent="-280670" lvl="1">
@@ -4986,6 +4990,15 @@
               </a:rPr>
               <a:t>Task Prioritization: </a:t>
             </a:r>
+          </a:p>
+          <a:p>
+            <a:pPr algn="l" marL="1122681" indent="-374227" lvl="2">
+              <a:lnSpc>
+                <a:spcPts val="3640"/>
+              </a:lnSpc>
+              <a:buFont typeface="Arial"/>
+              <a:buChar char="⚬"/>
+            </a:pPr>
             <a:r>
               <a:rPr lang="en-US" sz="2600">
                 <a:solidFill>
@@ -4996,7 +5009,7 @@
                 <a:cs typeface="Open Sans"/>
                 <a:sym typeface="Open Sans"/>
               </a:rPr>
-              <a:t>Ensuring the Supervisor Agent correctly assigns tasks to the best-fit agent</a:t>
+              <a:t>The Supervisor Agent must intelligently route tasks to the most suitable agent, avoiding redundant processing and ensuring optimal workflow execution</a:t>
             </a:r>
           </a:p>
         </p:txBody>

--- a/Multi-Agent Chatbot.pptx
+++ b/Multi-Agent Chatbot.pptx
@@ -13,17 +13,20 @@
     <p:sldId id="261" r:id="rId11"/>
     <p:sldId id="262" r:id="rId12"/>
     <p:sldId id="263" r:id="rId13"/>
+    <p:sldId id="264" r:id="rId14"/>
+    <p:sldId id="265" r:id="rId15"/>
+    <p:sldId id="266" r:id="rId16"/>
   </p:sldIdLst>
   <p:sldSz cx="18288000" cy="10287000"/>
   <p:notesSz cx="6858000" cy="9144000"/>
   <p:embeddedFontLst>
     <p:embeddedFont>
       <p:font typeface="Open Sans" charset="1" panose="00000000000000000000"/>
-      <p:regular r:id="rId14"/>
+      <p:regular r:id="rId17"/>
     </p:embeddedFont>
     <p:embeddedFont>
       <p:font typeface="Open Sans Bold" charset="1" panose="00000000000000000000"/>
-      <p:regular r:id="rId15"/>
+      <p:regular r:id="rId18"/>
     </p:embeddedFont>
   </p:embeddedFontLst>
   <p:defaultTextStyle>
@@ -3257,6 +3260,456 @@
 </p:sld>
 </file>
 
+<file path=ppt/slides/slide10.xml><?xml version="1.0" encoding="utf-8"?>
+<p:sld xmlns:p="http://schemas.openxmlformats.org/presentationml/2006/main" xmlns:a="http://schemas.openxmlformats.org/drawingml/2006/main">
+  <p:cSld>
+    <p:bg>
+      <p:bgPr>
+        <a:solidFill>
+          <a:srgbClr val="018575"/>
+        </a:solidFill>
+      </p:bgPr>
+    </p:bg>
+    <p:spTree>
+      <p:nvGrpSpPr>
+        <p:cNvPr id="1" name=""/>
+        <p:cNvGrpSpPr/>
+        <p:nvPr/>
+      </p:nvGrpSpPr>
+      <p:grpSpPr>
+        <a:xfrm>
+          <a:off x="0" y="0"/>
+          <a:ext cx="0" cy="0"/>
+          <a:chOff x="0" y="0"/>
+          <a:chExt cx="0" cy="0"/>
+        </a:xfrm>
+      </p:grpSpPr>
+      <p:sp>
+        <p:nvSpPr>
+          <p:cNvPr name="TextBox 2" id="2"/>
+          <p:cNvSpPr txBox="true"/>
+          <p:nvPr/>
+        </p:nvSpPr>
+        <p:spPr>
+          <a:xfrm rot="0">
+            <a:off x="1028700" y="1219200"/>
+            <a:ext cx="8353425" cy="1330297"/>
+          </a:xfrm>
+          <a:prstGeom prst="rect">
+            <a:avLst/>
+          </a:prstGeom>
+        </p:spPr>
+        <p:txBody>
+          <a:bodyPr anchor="t" rtlCol="false" tIns="0" lIns="0" bIns="0" rIns="0">
+            <a:spAutoFit/>
+          </a:bodyPr>
+          <a:lstStyle/>
+          <a:p>
+            <a:pPr algn="l">
+              <a:lnSpc>
+                <a:spcPts val="9999"/>
+              </a:lnSpc>
+            </a:pPr>
+            <a:r>
+              <a:rPr lang="en-US" sz="9999">
+                <a:solidFill>
+                  <a:srgbClr val="F9F7F0"/>
+                </a:solidFill>
+                <a:latin typeface="Open Sans"/>
+                <a:ea typeface="Open Sans"/>
+                <a:cs typeface="Open Sans"/>
+                <a:sym typeface="Open Sans"/>
+              </a:rPr>
+              <a:t>Conclusion</a:t>
+            </a:r>
+          </a:p>
+        </p:txBody>
+      </p:sp>
+      <p:sp>
+        <p:nvSpPr>
+          <p:cNvPr name="AutoShape 3" id="3"/>
+          <p:cNvSpPr/>
+          <p:nvPr/>
+        </p:nvSpPr>
+        <p:spPr>
+          <a:xfrm>
+            <a:off x="1000125" y="2847975"/>
+            <a:ext cx="16287750" cy="0"/>
+          </a:xfrm>
+          <a:prstGeom prst="line">
+            <a:avLst/>
+          </a:prstGeom>
+          <a:ln cap="flat" w="19050">
+            <a:solidFill>
+              <a:srgbClr val="F9F7F0"/>
+            </a:solidFill>
+            <a:prstDash val="solid"/>
+            <a:headEnd type="none" len="sm" w="sm"/>
+            <a:tailEnd type="none" len="sm" w="sm"/>
+          </a:ln>
+        </p:spPr>
+      </p:sp>
+      <p:sp>
+        <p:nvSpPr>
+          <p:cNvPr name="TextBox 4" id="4"/>
+          <p:cNvSpPr txBox="true"/>
+          <p:nvPr/>
+        </p:nvSpPr>
+        <p:spPr>
+          <a:xfrm rot="0">
+            <a:off x="1028700" y="3541779"/>
+            <a:ext cx="12665345" cy="4733263"/>
+          </a:xfrm>
+          <a:prstGeom prst="rect">
+            <a:avLst/>
+          </a:prstGeom>
+        </p:spPr>
+        <p:txBody>
+          <a:bodyPr anchor="t" rtlCol="false" tIns="0" lIns="0" bIns="0" rIns="0">
+            <a:spAutoFit/>
+          </a:bodyPr>
+          <a:lstStyle/>
+          <a:p>
+            <a:pPr algn="l" marL="582930" indent="-291465" lvl="1">
+              <a:lnSpc>
+                <a:spcPts val="3779"/>
+              </a:lnSpc>
+              <a:buFont typeface="Arial"/>
+              <a:buChar char="•"/>
+            </a:pPr>
+            <a:r>
+              <a:rPr lang="en-US" sz="2700">
+                <a:solidFill>
+                  <a:srgbClr val="F9F7F0"/>
+                </a:solidFill>
+                <a:latin typeface="Open Sans"/>
+                <a:ea typeface="Open Sans"/>
+                <a:cs typeface="Open Sans"/>
+                <a:sym typeface="Open Sans"/>
+              </a:rPr>
+              <a:t>The </a:t>
+            </a:r>
+            <a:r>
+              <a:rPr lang="en-US" b="true" sz="2700">
+                <a:solidFill>
+                  <a:srgbClr val="F9F7F0"/>
+                </a:solidFill>
+                <a:latin typeface="Open Sans Bold"/>
+                <a:ea typeface="Open Sans Bold"/>
+                <a:cs typeface="Open Sans Bold"/>
+                <a:sym typeface="Open Sans Bold"/>
+              </a:rPr>
+              <a:t>Multi-A</a:t>
+            </a:r>
+            <a:r>
+              <a:rPr lang="en-US" b="true" sz="2700">
+                <a:solidFill>
+                  <a:srgbClr val="F9F7F0"/>
+                </a:solidFill>
+                <a:latin typeface="Open Sans Bold"/>
+                <a:ea typeface="Open Sans Bold"/>
+                <a:cs typeface="Open Sans Bold"/>
+                <a:sym typeface="Open Sans Bold"/>
+              </a:rPr>
+              <a:t>gent Chatbot</a:t>
+            </a:r>
+            <a:r>
+              <a:rPr lang="en-US" sz="2700">
+                <a:solidFill>
+                  <a:srgbClr val="F9F7F0"/>
+                </a:solidFill>
+                <a:latin typeface="Open Sans"/>
+                <a:ea typeface="Open Sans"/>
+                <a:cs typeface="Open Sans"/>
+                <a:sym typeface="Open Sans"/>
+              </a:rPr>
+              <a:t> enables </a:t>
+            </a:r>
+            <a:r>
+              <a:rPr lang="en-US" b="true" sz="2700">
+                <a:solidFill>
+                  <a:srgbClr val="F9F7F0"/>
+                </a:solidFill>
+                <a:latin typeface="Open Sans Bold"/>
+                <a:ea typeface="Open Sans Bold"/>
+                <a:cs typeface="Open Sans Bold"/>
+                <a:sym typeface="Open Sans Bold"/>
+              </a:rPr>
+              <a:t>accurate, efficient, </a:t>
+            </a:r>
+            <a:r>
+              <a:rPr lang="en-US" sz="2700">
+                <a:solidFill>
+                  <a:srgbClr val="F9F7F0"/>
+                </a:solidFill>
+                <a:latin typeface="Open Sans"/>
+                <a:ea typeface="Open Sans"/>
+                <a:cs typeface="Open Sans"/>
+                <a:sym typeface="Open Sans"/>
+              </a:rPr>
+              <a:t>and </a:t>
+            </a:r>
+            <a:r>
+              <a:rPr lang="en-US" b="true" sz="2700">
+                <a:solidFill>
+                  <a:srgbClr val="F9F7F0"/>
+                </a:solidFill>
+                <a:latin typeface="Open Sans Bold"/>
+                <a:ea typeface="Open Sans Bold"/>
+                <a:cs typeface="Open Sans Bold"/>
+                <a:sym typeface="Open Sans Bold"/>
+              </a:rPr>
+              <a:t>scalable </a:t>
+            </a:r>
+            <a:r>
+              <a:rPr lang="en-US" sz="2700">
+                <a:solidFill>
+                  <a:srgbClr val="F9F7F0"/>
+                </a:solidFill>
+                <a:latin typeface="Open Sans"/>
+                <a:ea typeface="Open Sans"/>
+                <a:cs typeface="Open Sans"/>
+                <a:sym typeface="Open Sans"/>
+              </a:rPr>
+              <a:t>AI-driven conversations.</a:t>
+            </a:r>
+          </a:p>
+          <a:p>
+            <a:pPr algn="l">
+              <a:lnSpc>
+                <a:spcPts val="3779"/>
+              </a:lnSpc>
+            </a:pPr>
+          </a:p>
+          <a:p>
+            <a:pPr algn="l" marL="582930" indent="-291465" lvl="1">
+              <a:lnSpc>
+                <a:spcPts val="3779"/>
+              </a:lnSpc>
+              <a:buFont typeface="Arial"/>
+              <a:buChar char="•"/>
+            </a:pPr>
+            <a:r>
+              <a:rPr lang="en-US" sz="2700">
+                <a:solidFill>
+                  <a:srgbClr val="F9F7F0"/>
+                </a:solidFill>
+                <a:latin typeface="Open Sans"/>
+                <a:ea typeface="Open Sans"/>
+                <a:cs typeface="Open Sans"/>
+                <a:sym typeface="Open Sans"/>
+              </a:rPr>
+              <a:t>By leveraging </a:t>
+            </a:r>
+            <a:r>
+              <a:rPr lang="en-US" b="true" sz="2700">
+                <a:solidFill>
+                  <a:srgbClr val="F9F7F0"/>
+                </a:solidFill>
+                <a:latin typeface="Open Sans Bold"/>
+                <a:ea typeface="Open Sans Bold"/>
+                <a:cs typeface="Open Sans Bold"/>
+                <a:sym typeface="Open Sans Bold"/>
+              </a:rPr>
+              <a:t>s</a:t>
+            </a:r>
+            <a:r>
+              <a:rPr lang="en-US" b="true" sz="2700">
+                <a:solidFill>
+                  <a:srgbClr val="F9F7F0"/>
+                </a:solidFill>
+                <a:latin typeface="Open Sans Bold"/>
+                <a:ea typeface="Open Sans Bold"/>
+                <a:cs typeface="Open Sans Bold"/>
+                <a:sym typeface="Open Sans Bold"/>
+              </a:rPr>
+              <a:t>pecialized agents</a:t>
+            </a:r>
+            <a:r>
+              <a:rPr lang="en-US" sz="2700">
+                <a:solidFill>
+                  <a:srgbClr val="F9F7F0"/>
+                </a:solidFill>
+                <a:latin typeface="Open Sans"/>
+                <a:ea typeface="Open Sans"/>
+                <a:cs typeface="Open Sans"/>
+                <a:sym typeface="Open Sans"/>
+              </a:rPr>
+              <a:t>, the chatbot </a:t>
+            </a:r>
+            <a:r>
+              <a:rPr lang="en-US" b="true" sz="2700">
+                <a:solidFill>
+                  <a:srgbClr val="F9F7F0"/>
+                </a:solidFill>
+                <a:latin typeface="Open Sans Bold"/>
+                <a:ea typeface="Open Sans Bold"/>
+                <a:cs typeface="Open Sans Bold"/>
+                <a:sym typeface="Open Sans Bold"/>
+              </a:rPr>
+              <a:t>outperforms </a:t>
+            </a:r>
+            <a:r>
+              <a:rPr lang="en-US" sz="2700">
+                <a:solidFill>
+                  <a:srgbClr val="F9F7F0"/>
+                </a:solidFill>
+                <a:latin typeface="Open Sans"/>
+                <a:ea typeface="Open Sans"/>
+                <a:cs typeface="Open Sans"/>
+                <a:sym typeface="Open Sans"/>
+              </a:rPr>
+              <a:t>traditional models in task handling and precision.</a:t>
+            </a:r>
+          </a:p>
+          <a:p>
+            <a:pPr algn="l">
+              <a:lnSpc>
+                <a:spcPts val="3779"/>
+              </a:lnSpc>
+            </a:pPr>
+          </a:p>
+          <a:p>
+            <a:pPr algn="l" marL="582930" indent="-291465" lvl="1">
+              <a:lnSpc>
+                <a:spcPts val="3779"/>
+              </a:lnSpc>
+              <a:buFont typeface="Arial"/>
+              <a:buChar char="•"/>
+            </a:pPr>
+            <a:r>
+              <a:rPr lang="en-US" sz="2700">
+                <a:solidFill>
+                  <a:srgbClr val="F9F7F0"/>
+                </a:solidFill>
+                <a:latin typeface="Open Sans"/>
+                <a:ea typeface="Open Sans"/>
+                <a:cs typeface="Open Sans"/>
+                <a:sym typeface="Open Sans"/>
+              </a:rPr>
+              <a:t>The f</a:t>
+            </a:r>
+            <a:r>
+              <a:rPr lang="en-US" sz="2700">
+                <a:solidFill>
+                  <a:srgbClr val="F9F7F0"/>
+                </a:solidFill>
+                <a:latin typeface="Open Sans"/>
+                <a:ea typeface="Open Sans"/>
+                <a:cs typeface="Open Sans"/>
+                <a:sym typeface="Open Sans"/>
+              </a:rPr>
+              <a:t>uture </a:t>
+            </a:r>
+            <a:r>
+              <a:rPr lang="en-US" sz="2700">
+                <a:solidFill>
+                  <a:srgbClr val="F9F7F0"/>
+                </a:solidFill>
+                <a:latin typeface="Open Sans"/>
+                <a:ea typeface="Open Sans"/>
+                <a:cs typeface="Open Sans"/>
+                <a:sym typeface="Open Sans"/>
+              </a:rPr>
+              <a:t>roadmap includes expanding agent capabilities, integrating richer knowledge bases, and optimizing performance for real-world applications.</a:t>
+            </a:r>
+          </a:p>
+          <a:p>
+            <a:pPr algn="l">
+              <a:lnSpc>
+                <a:spcPts val="3640"/>
+              </a:lnSpc>
+            </a:pPr>
+          </a:p>
+        </p:txBody>
+      </p:sp>
+    </p:spTree>
+  </p:cSld>
+  <p:clrMapOvr>
+    <a:masterClrMapping/>
+  </p:clrMapOvr>
+  <p:transition spd="slow">
+    <p:push dir="l"/>
+  </p:transition>
+</p:sld>
+</file>
+
+<file path=ppt/slides/slide11.xml><?xml version="1.0" encoding="utf-8"?>
+<p:sld xmlns:p="http://schemas.openxmlformats.org/presentationml/2006/main" xmlns:a="http://schemas.openxmlformats.org/drawingml/2006/main">
+  <p:cSld>
+    <p:bg>
+      <p:bgPr>
+        <a:solidFill>
+          <a:srgbClr val="018575"/>
+        </a:solidFill>
+      </p:bgPr>
+    </p:bg>
+    <p:spTree>
+      <p:nvGrpSpPr>
+        <p:cNvPr id="1" name=""/>
+        <p:cNvGrpSpPr/>
+        <p:nvPr/>
+      </p:nvGrpSpPr>
+      <p:grpSpPr>
+        <a:xfrm>
+          <a:off x="0" y="0"/>
+          <a:ext cx="0" cy="0"/>
+          <a:chOff x="0" y="0"/>
+          <a:chExt cx="0" cy="0"/>
+        </a:xfrm>
+      </p:grpSpPr>
+      <p:sp>
+        <p:nvSpPr>
+          <p:cNvPr name="TextBox 2" id="2"/>
+          <p:cNvSpPr txBox="true"/>
+          <p:nvPr/>
+        </p:nvSpPr>
+        <p:spPr>
+          <a:xfrm rot="0">
+            <a:off x="1028700" y="3543300"/>
+            <a:ext cx="16230600" cy="1600200"/>
+          </a:xfrm>
+          <a:prstGeom prst="rect">
+            <a:avLst/>
+          </a:prstGeom>
+        </p:spPr>
+        <p:txBody>
+          <a:bodyPr anchor="t" rtlCol="false" tIns="0" lIns="0" bIns="0" rIns="0">
+            <a:spAutoFit/>
+          </a:bodyPr>
+          <a:lstStyle/>
+          <a:p>
+            <a:pPr algn="ctr">
+              <a:lnSpc>
+                <a:spcPts val="12000"/>
+              </a:lnSpc>
+            </a:pPr>
+            <a:r>
+              <a:rPr lang="en-US" sz="12000">
+                <a:solidFill>
+                  <a:srgbClr val="F9F7F0"/>
+                </a:solidFill>
+                <a:latin typeface="Open Sans"/>
+                <a:ea typeface="Open Sans"/>
+                <a:cs typeface="Open Sans"/>
+                <a:sym typeface="Open Sans"/>
+              </a:rPr>
+              <a:t>THANK YOU</a:t>
+            </a:r>
+          </a:p>
+        </p:txBody>
+      </p:sp>
+    </p:spTree>
+  </p:cSld>
+  <p:clrMapOvr>
+    <a:masterClrMapping/>
+  </p:clrMapOvr>
+  <p:transition spd="slow">
+    <p:push dir="l"/>
+  </p:transition>
+</p:sld>
+</file>
+
 <file path=ppt/slides/slide2.xml><?xml version="1.0" encoding="utf-8"?>
 <p:sld xmlns:p="http://schemas.openxmlformats.org/presentationml/2006/main" xmlns:a="http://schemas.openxmlformats.org/drawingml/2006/main" xmlns:r="http://schemas.openxmlformats.org/officeDocument/2006/relationships">
   <p:cSld>
@@ -3335,8 +3788,8 @@
         </p:nvSpPr>
         <p:spPr>
           <a:xfrm rot="0">
-            <a:off x="1028700" y="1257300"/>
-            <a:ext cx="16230600" cy="1600200"/>
+            <a:off x="1028700" y="1219200"/>
+            <a:ext cx="16230600" cy="1330297"/>
           </a:xfrm>
           <a:prstGeom prst="rect">
             <a:avLst/>
@@ -3350,11 +3803,11 @@
           <a:p>
             <a:pPr algn="l">
               <a:lnSpc>
-                <a:spcPts val="12000"/>
-              </a:lnSpc>
-            </a:pPr>
-            <a:r>
-              <a:rPr lang="en-US" sz="12000">
+                <a:spcPts val="9999"/>
+              </a:lnSpc>
+            </a:pPr>
+            <a:r>
+              <a:rPr lang="en-US" sz="9999">
                 <a:solidFill>
                   <a:srgbClr val="018575"/>
                 </a:solidFill>
@@ -3377,7 +3830,7 @@
         <p:spPr>
           <a:xfrm rot="0">
             <a:off x="1028700" y="3286182"/>
-            <a:ext cx="7347820" cy="5934358"/>
+            <a:ext cx="7441339" cy="6391531"/>
           </a:xfrm>
           <a:prstGeom prst="rect">
             <a:avLst/>
@@ -3418,7 +3871,7 @@
                 <a:cs typeface="Open Sans Bold"/>
                 <a:sym typeface="Open Sans Bold"/>
               </a:rPr>
-              <a:t>Multi-Agent Chatbot </a:t>
+              <a:t>Multi-Agent Chatbot</a:t>
             </a:r>
             <a:r>
               <a:rPr lang="en-US" sz="2600">
@@ -3430,15 +3883,8 @@
                 <a:cs typeface="Open Sans"/>
                 <a:sym typeface="Open Sans"/>
               </a:rPr>
-              <a:t>is an advanced conversational system designed to improve response accuracy and efficiency by utilizing multiple specialized agents. </a:t>
-            </a:r>
-          </a:p>
-          <a:p>
-            <a:pPr algn="l">
-              <a:lnSpc>
-                <a:spcPts val="3640"/>
-              </a:lnSpc>
-            </a:pPr>
+              <a:t> for Gen AI improves response accuracy and efficiency by leveraging specialized agents for task-specific processing and real-time knowledge retrieval</a:t>
+            </a:r>
           </a:p>
           <a:p>
             <a:pPr algn="l" marL="561341" indent="-280670" lvl="1">
@@ -3482,17 +3928,8 @@
                 <a:cs typeface="Open Sans"/>
                 <a:sym typeface="Open Sans"/>
               </a:rPr>
-              <a:t> dynamically routes queries to the most suitable agent:</a:t>
-            </a:r>
-          </a:p>
-          <a:p>
-            <a:pPr algn="l" marL="1122681" indent="-374227" lvl="2">
-              <a:lnSpc>
-                <a:spcPts val="3640"/>
-              </a:lnSpc>
-              <a:buFont typeface="Arial"/>
-              <a:buChar char="⚬"/>
-            </a:pPr>
+              <a:t> intelligently routes queries to the </a:t>
+            </a:r>
             <a:r>
               <a:rPr lang="en-US" b="true" sz="2600">
                 <a:solidFill>
@@ -3503,7 +3940,7 @@
                 <a:cs typeface="Open Sans Bold"/>
                 <a:sym typeface="Open Sans Bold"/>
               </a:rPr>
-              <a:t>Enhancer</a:t>
+              <a:t>Enhancer </a:t>
             </a:r>
             <a:r>
               <a:rPr lang="en-US" sz="2600">
@@ -3515,17 +3952,8 @@
                 <a:cs typeface="Open Sans"/>
                 <a:sym typeface="Open Sans"/>
               </a:rPr>
-              <a:t> for refining prompts</a:t>
-            </a:r>
-          </a:p>
-          <a:p>
-            <a:pPr algn="l" marL="1122681" indent="-374227" lvl="2">
-              <a:lnSpc>
-                <a:spcPts val="3640"/>
-              </a:lnSpc>
-              <a:buFont typeface="Arial"/>
-              <a:buChar char="⚬"/>
-            </a:pPr>
+              <a:t>(prompt refinement), </a:t>
+            </a:r>
             <a:r>
               <a:rPr lang="en-US" b="true" sz="2600">
                 <a:solidFill>
@@ -3548,17 +3976,8 @@
                 <a:cs typeface="Open Sans"/>
                 <a:sym typeface="Open Sans"/>
               </a:rPr>
-              <a:t> for fetching real-time information</a:t>
-            </a:r>
-          </a:p>
-          <a:p>
-            <a:pPr algn="l" marL="1122681" indent="-374227" lvl="2">
-              <a:lnSpc>
-                <a:spcPts val="3640"/>
-              </a:lnSpc>
-              <a:buFont typeface="Arial"/>
-              <a:buChar char="⚬"/>
-            </a:pPr>
+              <a:t> (RAG-based retrieval), </a:t>
+            </a:r>
             <a:r>
               <a:rPr lang="en-US" b="true" sz="2600">
                 <a:solidFill>
@@ -3569,7 +3988,7 @@
                 <a:cs typeface="Open Sans Bold"/>
                 <a:sym typeface="Open Sans Bold"/>
               </a:rPr>
-              <a:t>Coder </a:t>
+              <a:t>Coder</a:t>
             </a:r>
             <a:r>
               <a:rPr lang="en-US" sz="2600">
@@ -3581,17 +4000,8 @@
                 <a:cs typeface="Open Sans"/>
                 <a:sym typeface="Open Sans"/>
               </a:rPr>
-              <a:t>for executing technical tasks</a:t>
-            </a:r>
-          </a:p>
-          <a:p>
-            <a:pPr algn="l" marL="1122681" indent="-374227" lvl="2">
-              <a:lnSpc>
-                <a:spcPts val="3640"/>
-              </a:lnSpc>
-              <a:buFont typeface="Arial"/>
-              <a:buChar char="⚬"/>
-            </a:pPr>
+              <a:t> (technical execution), and </a:t>
+            </a:r>
             <a:r>
               <a:rPr lang="en-US" b="true" sz="2600">
                 <a:solidFill>
@@ -3602,7 +4012,7 @@
                 <a:cs typeface="Open Sans Bold"/>
                 <a:sym typeface="Open Sans Bold"/>
               </a:rPr>
-              <a:t>Validator </a:t>
+              <a:t>Validator</a:t>
             </a:r>
             <a:r>
               <a:rPr lang="en-US" sz="2600">
@@ -3614,7 +4024,100 @@
                 <a:cs typeface="Open Sans"/>
                 <a:sym typeface="Open Sans"/>
               </a:rPr>
-              <a:t>for ensuring answer correctness.</a:t>
+              <a:t> (quality control)</a:t>
+            </a:r>
+          </a:p>
+          <a:p>
+            <a:pPr algn="l" marL="561341" indent="-280670" lvl="1">
+              <a:lnSpc>
+                <a:spcPts val="3640"/>
+              </a:lnSpc>
+              <a:buFont typeface="Arial"/>
+              <a:buChar char="•"/>
+            </a:pPr>
+            <a:r>
+              <a:rPr lang="en-US" sz="2600">
+                <a:solidFill>
+                  <a:srgbClr val="000000"/>
+                </a:solidFill>
+                <a:latin typeface="Open Sans"/>
+                <a:ea typeface="Open Sans"/>
+                <a:cs typeface="Open Sans"/>
+                <a:sym typeface="Open Sans"/>
+              </a:rPr>
+              <a:t>The chatbot supports </a:t>
+            </a:r>
+            <a:r>
+              <a:rPr lang="en-US" b="true" sz="2600">
+                <a:solidFill>
+                  <a:srgbClr val="000000"/>
+                </a:solidFill>
+                <a:latin typeface="Open Sans Bold"/>
+                <a:ea typeface="Open Sans Bold"/>
+                <a:cs typeface="Open Sans Bold"/>
+                <a:sym typeface="Open Sans Bold"/>
+              </a:rPr>
+              <a:t>Zero-Shot</a:t>
+            </a:r>
+            <a:r>
+              <a:rPr lang="en-US" sz="2600">
+                <a:solidFill>
+                  <a:srgbClr val="000000"/>
+                </a:solidFill>
+                <a:latin typeface="Open Sans"/>
+                <a:ea typeface="Open Sans"/>
+                <a:cs typeface="Open Sans"/>
+                <a:sym typeface="Open Sans"/>
+              </a:rPr>
+              <a:t>, </a:t>
+            </a:r>
+            <a:r>
+              <a:rPr lang="en-US" b="true" sz="2600">
+                <a:solidFill>
+                  <a:srgbClr val="000000"/>
+                </a:solidFill>
+                <a:latin typeface="Open Sans Bold"/>
+                <a:ea typeface="Open Sans Bold"/>
+                <a:cs typeface="Open Sans Bold"/>
+                <a:sym typeface="Open Sans Bold"/>
+              </a:rPr>
+              <a:t>One-Shot, Few-Shot</a:t>
+            </a:r>
+            <a:r>
+              <a:rPr lang="en-US" sz="2600">
+                <a:solidFill>
+                  <a:srgbClr val="000000"/>
+                </a:solidFill>
+                <a:latin typeface="Open Sans"/>
+                <a:ea typeface="Open Sans"/>
+                <a:cs typeface="Open Sans"/>
+                <a:sym typeface="Open Sans"/>
+              </a:rPr>
+              <a:t> and </a:t>
+            </a:r>
+            <a:r>
+              <a:rPr lang="en-US" b="true" sz="2600">
+                <a:solidFill>
+                  <a:srgbClr val="000000"/>
+                </a:solidFill>
+                <a:latin typeface="Open Sans Bold"/>
+                <a:ea typeface="Open Sans Bold"/>
+                <a:cs typeface="Open Sans Bold"/>
+                <a:sym typeface="Open Sans Bold"/>
+              </a:rPr>
+              <a:t>RAG</a:t>
+            </a:r>
+            <a:r>
+              <a:rPr lang="en-US" sz="2600">
+                <a:solidFill>
+                  <a:srgbClr val="000000"/>
+                </a:solidFill>
+                <a:latin typeface="Open Sans"/>
+                <a:ea typeface="Open Sans"/>
+                <a:cs typeface="Open Sans"/>
+                <a:sym typeface="Open Sans"/>
+              </a:rPr>
+              <a:t> Learning, enhancing adaptability and context awareness for diverse user queries</a:t>
             </a:r>
           </a:p>
         </p:txBody>
@@ -3768,8 +4271,8 @@
         </p:nvSpPr>
         <p:spPr>
           <a:xfrm rot="0">
-            <a:off x="1028700" y="5086350"/>
-            <a:ext cx="10671175" cy="3648493"/>
+            <a:off x="1028700" y="4762500"/>
+            <a:ext cx="10671175" cy="4105666"/>
           </a:xfrm>
           <a:prstGeom prst="rect">
             <a:avLst/>
@@ -3789,6 +4292,18 @@
               <a:buChar char="•"/>
             </a:pPr>
             <a:r>
+              <a:rPr lang="en-US" b="true" sz="2600">
+                <a:solidFill>
+                  <a:srgbClr val="000000"/>
+                </a:solidFill>
+                <a:latin typeface="Open Sans Bold"/>
+                <a:ea typeface="Open Sans Bold"/>
+                <a:cs typeface="Open Sans Bold"/>
+                <a:sym typeface="Open Sans Bold"/>
+              </a:rPr>
+              <a:t>Parallel and Specialized Task Handling: </a:t>
+            </a:r>
+            <a:r>
               <a:rPr lang="en-US" sz="2600">
                 <a:solidFill>
                   <a:srgbClr val="000000"/>
@@ -3798,15 +4313,8 @@
                 <a:cs typeface="Open Sans"/>
                 <a:sym typeface="Open Sans"/>
               </a:rPr>
-              <a:t>Tasks are handled in a parallel and specialized manner.</a:t>
-            </a:r>
-          </a:p>
-          <a:p>
-            <a:pPr algn="l">
-              <a:lnSpc>
-                <a:spcPts val="3640"/>
-              </a:lnSpc>
-            </a:pPr>
+              <a:t>Each agent focuses on a specific function—query enhancement, research, coding, or validation—enabling faster and more accurate responses</a:t>
+            </a:r>
           </a:p>
           <a:p>
             <a:pPr algn="l" marL="561341" indent="-280670" lvl="1">
@@ -3817,6 +4325,18 @@
               <a:buChar char="•"/>
             </a:pPr>
             <a:r>
+              <a:rPr lang="en-US" b="true" sz="2600">
+                <a:solidFill>
+                  <a:srgbClr val="000000"/>
+                </a:solidFill>
+                <a:latin typeface="Open Sans Bold"/>
+                <a:ea typeface="Open Sans Bold"/>
+                <a:cs typeface="Open Sans Bold"/>
+                <a:sym typeface="Open Sans Bold"/>
+              </a:rPr>
+              <a:t>Scalability and Modular Design: </a:t>
+            </a:r>
+            <a:r>
               <a:rPr lang="en-US" sz="2600">
                 <a:solidFill>
                   <a:srgbClr val="000000"/>
@@ -3826,15 +4346,8 @@
                 <a:cs typeface="Open Sans"/>
                 <a:sym typeface="Open Sans"/>
               </a:rPr>
-              <a:t>Allows for scalability and modular design to improve chatbot efficiency.</a:t>
-            </a:r>
-          </a:p>
-          <a:p>
-            <a:pPr algn="l">
-              <a:lnSpc>
-                <a:spcPts val="3640"/>
-              </a:lnSpc>
-            </a:pPr>
+              <a:t>Agents can be added or modified independently, allowing the chatbot to adapt to new domains such as finance, healthcare, and legal applications</a:t>
+            </a:r>
           </a:p>
           <a:p>
             <a:pPr algn="l" marL="561341" indent="-280670" lvl="1">
@@ -3845,6 +4358,18 @@
               <a:buChar char="•"/>
             </a:pPr>
             <a:r>
+              <a:rPr lang="en-US" b="true" sz="2600">
+                <a:solidFill>
+                  <a:srgbClr val="000000"/>
+                </a:solidFill>
+                <a:latin typeface="Open Sans Bold"/>
+                <a:ea typeface="Open Sans Bold"/>
+                <a:cs typeface="Open Sans Bold"/>
+                <a:sym typeface="Open Sans Bold"/>
+              </a:rPr>
+              <a:t>Improved Accuracy and Task Handling: </a:t>
+            </a:r>
+            <a:r>
               <a:rPr lang="en-US" sz="2600">
                 <a:solidFill>
                   <a:srgbClr val="000000"/>
@@ -3854,15 +4379,8 @@
                 <a:cs typeface="Open Sans"/>
                 <a:sym typeface="Open Sans"/>
               </a:rPr>
-              <a:t>Reduces reliance on a single model, improving accuracy and task handling.</a:t>
-            </a:r>
-          </a:p>
-          <a:p>
-            <a:pPr algn="l">
-              <a:lnSpc>
-                <a:spcPts val="3640"/>
-              </a:lnSpc>
-            </a:pPr>
+              <a:t>By routing queries to the most appropriate agent, the system ensures domain-specific precision and reduces incorrect responses.</a:t>
+            </a:r>
           </a:p>
         </p:txBody>
       </p:sp>
@@ -3874,8 +4392,8 @@
         </p:nvSpPr>
         <p:spPr>
           <a:xfrm rot="0">
-            <a:off x="1028700" y="1257300"/>
-            <a:ext cx="12836883" cy="3124200"/>
+            <a:off x="1028700" y="1219200"/>
+            <a:ext cx="12406696" cy="2597095"/>
           </a:xfrm>
           <a:prstGeom prst="rect">
             <a:avLst/>
@@ -3889,11 +4407,11 @@
           <a:p>
             <a:pPr algn="l">
               <a:lnSpc>
-                <a:spcPts val="12000"/>
-              </a:lnSpc>
-            </a:pPr>
-            <a:r>
-              <a:rPr lang="en-US" sz="12000">
+                <a:spcPts val="9999"/>
+              </a:lnSpc>
+            </a:pPr>
+            <a:r>
+              <a:rPr lang="en-US" sz="9999">
                 <a:solidFill>
                   <a:srgbClr val="018575"/>
                 </a:solidFill>
@@ -4064,8 +4582,8 @@
         </p:nvSpPr>
         <p:spPr>
           <a:xfrm rot="0">
-            <a:off x="1028700" y="4695461"/>
-            <a:ext cx="10671175" cy="4562839"/>
+            <a:off x="1028700" y="4019213"/>
+            <a:ext cx="10671175" cy="5020012"/>
           </a:xfrm>
           <a:prstGeom prst="rect">
             <a:avLst/>
@@ -4081,8 +4599,7 @@
               <a:lnSpc>
                 <a:spcPts val="3640"/>
               </a:lnSpc>
-              <a:buFont typeface="Arial"/>
-              <a:buChar char="•"/>
+              <a:buAutoNum type="arabicPeriod" startAt="1"/>
             </a:pPr>
             <a:r>
               <a:rPr lang="en-US" b="true" sz="2600">
@@ -4094,7 +4611,7 @@
                 <a:cs typeface="Open Sans Bold"/>
                 <a:sym typeface="Open Sans Bold"/>
               </a:rPr>
-              <a:t>Supervisor Agent: </a:t>
+              <a:t>Supervisor Agent</a:t>
             </a:r>
             <a:r>
               <a:rPr lang="en-US" sz="2600">
@@ -4106,35 +4623,15 @@
                 <a:cs typeface="Open Sans"/>
                 <a:sym typeface="Open Sans"/>
               </a:rPr>
-              <a:t>Routes tasks</a:t>
-            </a:r>
-            <a:r>
-              <a:rPr lang="en-US" sz="2600">
-                <a:solidFill>
-                  <a:srgbClr val="000000"/>
-                </a:solidFill>
-                <a:latin typeface="Open Sans"/>
-                <a:ea typeface="Open Sans"/>
-                <a:cs typeface="Open Sans"/>
-                <a:sym typeface="Open Sans"/>
-              </a:rPr>
-              <a:t> to the appropriate agent.</a:t>
-            </a:r>
-          </a:p>
-          <a:p>
-            <a:pPr algn="l">
+              <a:t> – Routes user queries to the appropriate agent.</a:t>
+            </a:r>
+          </a:p>
+          <a:p>
+            <a:pPr algn="l" marL="561341" indent="-280670" lvl="1">
               <a:lnSpc>
                 <a:spcPts val="3640"/>
               </a:lnSpc>
-            </a:pPr>
-          </a:p>
-          <a:p>
-            <a:pPr algn="l" marL="561341" indent="-280670" lvl="1">
-              <a:lnSpc>
-                <a:spcPts val="3640"/>
-              </a:lnSpc>
-              <a:buFont typeface="Arial"/>
-              <a:buChar char="•"/>
+              <a:buAutoNum type="arabicPeriod" startAt="1"/>
             </a:pPr>
             <a:r>
               <a:rPr lang="en-US" b="true" sz="2600">
@@ -4146,7 +4643,7 @@
                 <a:cs typeface="Open Sans Bold"/>
                 <a:sym typeface="Open Sans Bold"/>
               </a:rPr>
-              <a:t>Enhancer Agent: </a:t>
+              <a:t>Enhancer Agent</a:t>
             </a:r>
             <a:r>
               <a:rPr lang="en-US" sz="2600">
@@ -4158,23 +4655,15 @@
                 <a:cs typeface="Open Sans"/>
                 <a:sym typeface="Open Sans"/>
               </a:rPr>
-              <a:t>Refines and clarifies vague user queries.</a:t>
-            </a:r>
-          </a:p>
-          <a:p>
-            <a:pPr algn="l">
+              <a:t> – Refines vague or incomplete user inputs for better clarity.</a:t>
+            </a:r>
+          </a:p>
+          <a:p>
+            <a:pPr algn="l" marL="561341" indent="-280670" lvl="1">
               <a:lnSpc>
                 <a:spcPts val="3640"/>
               </a:lnSpc>
-            </a:pPr>
-          </a:p>
-          <a:p>
-            <a:pPr algn="l" marL="561341" indent="-280670" lvl="1">
-              <a:lnSpc>
-                <a:spcPts val="3640"/>
-              </a:lnSpc>
-              <a:buFont typeface="Arial"/>
-              <a:buChar char="•"/>
+              <a:buAutoNum type="arabicPeriod" startAt="1"/>
             </a:pPr>
             <a:r>
               <a:rPr lang="en-US" b="true" sz="2600">
@@ -4186,7 +4675,7 @@
                 <a:cs typeface="Open Sans Bold"/>
                 <a:sym typeface="Open Sans Bold"/>
               </a:rPr>
-              <a:t>Researcher Agent: </a:t>
+              <a:t>Researcher Agent</a:t>
             </a:r>
             <a:r>
               <a:rPr lang="en-US" sz="2600">
@@ -4198,23 +4687,15 @@
                 <a:cs typeface="Open Sans"/>
                 <a:sym typeface="Open Sans"/>
               </a:rPr>
-              <a:t>Fetches real-time information.</a:t>
-            </a:r>
-          </a:p>
-          <a:p>
-            <a:pPr algn="l">
+              <a:t> – Fetches external knowledge from sources like Wikipedia, Arxiv, or search engines.</a:t>
+            </a:r>
+          </a:p>
+          <a:p>
+            <a:pPr algn="l" marL="561341" indent="-280670" lvl="1">
               <a:lnSpc>
                 <a:spcPts val="3640"/>
               </a:lnSpc>
-            </a:pPr>
-          </a:p>
-          <a:p>
-            <a:pPr algn="l" marL="561341" indent="-280670" lvl="1">
-              <a:lnSpc>
-                <a:spcPts val="3640"/>
-              </a:lnSpc>
-              <a:buFont typeface="Arial"/>
-              <a:buChar char="•"/>
+              <a:buAutoNum type="arabicPeriod" startAt="1"/>
             </a:pPr>
             <a:r>
               <a:rPr lang="en-US" b="true" sz="2600">
@@ -4226,7 +4707,7 @@
                 <a:cs typeface="Open Sans Bold"/>
                 <a:sym typeface="Open Sans Bold"/>
               </a:rPr>
-              <a:t>Coder Agent: </a:t>
+              <a:t>Coder Agent</a:t>
             </a:r>
             <a:r>
               <a:rPr lang="en-US" sz="2600">
@@ -4238,23 +4719,15 @@
                 <a:cs typeface="Open Sans"/>
                 <a:sym typeface="Open Sans"/>
               </a:rPr>
-              <a:t>Solves coding and analytical tasks.</a:t>
-            </a:r>
-          </a:p>
-          <a:p>
-            <a:pPr algn="l">
+              <a:t> – Executes coding tasks and technical computations.</a:t>
+            </a:r>
+          </a:p>
+          <a:p>
+            <a:pPr algn="l" marL="561341" indent="-280670" lvl="1">
               <a:lnSpc>
                 <a:spcPts val="3640"/>
               </a:lnSpc>
-            </a:pPr>
-          </a:p>
-          <a:p>
-            <a:pPr algn="l" marL="561341" indent="-280670" lvl="1">
-              <a:lnSpc>
-                <a:spcPts val="3640"/>
-              </a:lnSpc>
-              <a:buFont typeface="Arial"/>
-              <a:buChar char="•"/>
+              <a:buAutoNum type="arabicPeriod" startAt="1"/>
             </a:pPr>
             <a:r>
               <a:rPr lang="en-US" b="true" sz="2600">
@@ -4266,7 +4739,7 @@
                 <a:cs typeface="Open Sans Bold"/>
                 <a:sym typeface="Open Sans Bold"/>
               </a:rPr>
-              <a:t>Validator Agent: </a:t>
+              <a:t>Validator Agent</a:t>
             </a:r>
             <a:r>
               <a:rPr lang="en-US" sz="2600">
@@ -4278,7 +4751,7 @@
                 <a:cs typeface="Open Sans"/>
                 <a:sym typeface="Open Sans"/>
               </a:rPr>
-              <a:t>Ensures answer correctness and relevance.</a:t>
+              <a:t> – Ensures responses are accurate and contextually relevant before returning them to the user.</a:t>
             </a:r>
           </a:p>
           <a:p>
@@ -4298,8 +4771,8 @@
         </p:nvSpPr>
         <p:spPr>
           <a:xfrm rot="0">
-            <a:off x="1028700" y="1257300"/>
-            <a:ext cx="12836883" cy="3124200"/>
+            <a:off x="1028700" y="1219200"/>
+            <a:ext cx="12836883" cy="1330297"/>
           </a:xfrm>
           <a:prstGeom prst="rect">
             <a:avLst/>
@@ -4313,11 +4786,11 @@
           <a:p>
             <a:pPr algn="l">
               <a:lnSpc>
-                <a:spcPts val="12000"/>
-              </a:lnSpc>
-            </a:pPr>
-            <a:r>
-              <a:rPr lang="en-US" sz="12000">
+                <a:spcPts val="9999"/>
+              </a:lnSpc>
+            </a:pPr>
+            <a:r>
+              <a:rPr lang="en-US" sz="9999">
                 <a:solidFill>
                   <a:srgbClr val="018575"/>
                 </a:solidFill>
@@ -4326,7 +4799,7 @@
                 <a:cs typeface="Open Sans"/>
                 <a:sym typeface="Open Sans"/>
               </a:rPr>
-              <a:t>Multi-Agent Design</a:t>
+              <a:t>System Architecture</a:t>
             </a:r>
           </a:p>
         </p:txBody>
@@ -4503,7 +4976,7 @@
         <p:spPr>
           <a:xfrm rot="0">
             <a:off x="1028700" y="3416037"/>
-            <a:ext cx="10671175" cy="5496262"/>
+            <a:ext cx="10483047" cy="5991589"/>
           </a:xfrm>
           <a:prstGeom prst="rect">
             <a:avLst/>
@@ -4522,113 +4995,7 @@
               <a:buAutoNum type="arabicPeriod" startAt="1"/>
             </a:pPr>
             <a:r>
-              <a:rPr lang="en-US" sz="2600">
-                <a:solidFill>
-                  <a:srgbClr val="000000"/>
-                </a:solidFill>
-                <a:latin typeface="Open Sans"/>
-                <a:ea typeface="Open Sans"/>
-                <a:cs typeface="Open Sans"/>
-                <a:sym typeface="Open Sans"/>
-              </a:rPr>
-              <a:t>User sends a query.</a:t>
-            </a:r>
-          </a:p>
-          <a:p>
-            <a:pPr algn="l" marL="561341" indent="-280670" lvl="1">
-              <a:lnSpc>
-                <a:spcPts val="3640"/>
-              </a:lnSpc>
-              <a:buAutoNum type="arabicPeriod" startAt="1"/>
-            </a:pPr>
-            <a:r>
-              <a:rPr lang="en-US" sz="2600">
-                <a:solidFill>
-                  <a:srgbClr val="000000"/>
-                </a:solidFill>
-                <a:latin typeface="Open Sans"/>
-                <a:ea typeface="Open Sans"/>
-                <a:cs typeface="Open Sans"/>
-                <a:sym typeface="Open Sans"/>
-              </a:rPr>
-              <a:t>Supervisor Agent determines which agent should handle it.</a:t>
-            </a:r>
-          </a:p>
-          <a:p>
-            <a:pPr algn="l" marL="561341" indent="-280670" lvl="1">
-              <a:lnSpc>
-                <a:spcPts val="3640"/>
-              </a:lnSpc>
-              <a:buAutoNum type="arabicPeriod" startAt="1"/>
-            </a:pPr>
-            <a:r>
-              <a:rPr lang="en-US" sz="2600">
-                <a:solidFill>
-                  <a:srgbClr val="000000"/>
-                </a:solidFill>
-                <a:latin typeface="Open Sans"/>
-                <a:ea typeface="Open Sans"/>
-                <a:cs typeface="Open Sans"/>
-                <a:sym typeface="Open Sans"/>
-              </a:rPr>
-              <a:t>Query is processed by Enhancer, Researcher, or Coder as needed.</a:t>
-            </a:r>
-          </a:p>
-          <a:p>
-            <a:pPr algn="l" marL="561341" indent="-280670" lvl="1">
-              <a:lnSpc>
-                <a:spcPts val="3640"/>
-              </a:lnSpc>
-              <a:buAutoNum type="arabicPeriod" startAt="1"/>
-            </a:pPr>
-            <a:r>
-              <a:rPr lang="en-US" sz="2600">
-                <a:solidFill>
-                  <a:srgbClr val="000000"/>
-                </a:solidFill>
-                <a:latin typeface="Open Sans"/>
-                <a:ea typeface="Open Sans"/>
-                <a:cs typeface="Open Sans"/>
-                <a:sym typeface="Open Sans"/>
-              </a:rPr>
-              <a:t>Validator Agent reviews the output for correctness.</a:t>
-            </a:r>
-          </a:p>
-          <a:p>
-            <a:pPr algn="l" marL="561341" indent="-280670" lvl="1">
-              <a:lnSpc>
-                <a:spcPts val="3640"/>
-              </a:lnSpc>
-              <a:buAutoNum type="arabicPeriod" startAt="1"/>
-            </a:pPr>
-            <a:r>
-              <a:rPr lang="en-US" sz="2600">
-                <a:solidFill>
-                  <a:srgbClr val="000000"/>
-                </a:solidFill>
-                <a:latin typeface="Open Sans"/>
-                <a:ea typeface="Open Sans"/>
-                <a:cs typeface="Open Sans"/>
-                <a:sym typeface="Open Sans"/>
-              </a:rPr>
-              <a:t>Final response is sent to the user.</a:t>
-            </a:r>
-          </a:p>
-          <a:p>
-            <a:pPr algn="l">
-              <a:lnSpc>
-                <a:spcPts val="3640"/>
-              </a:lnSpc>
-            </a:pPr>
-          </a:p>
-          <a:p>
-            <a:pPr algn="l">
-              <a:lnSpc>
-                <a:spcPts val="3779"/>
-              </a:lnSpc>
-            </a:pPr>
-            <a:r>
-              <a:rPr lang="en-US" sz="2700" b="true">
+              <a:rPr lang="en-US" b="true" sz="2600">
                 <a:solidFill>
                   <a:srgbClr val="000000"/>
                 </a:solidFill>
@@ -4637,6 +5004,172 @@
                 <a:cs typeface="Open Sans Bold"/>
                 <a:sym typeface="Open Sans Bold"/>
               </a:rPr>
+              <a:t>User Query → </a:t>
+            </a:r>
+            <a:r>
+              <a:rPr lang="en-US" sz="2600">
+                <a:solidFill>
+                  <a:srgbClr val="000000"/>
+                </a:solidFill>
+                <a:latin typeface="Open Sans"/>
+                <a:ea typeface="Open Sans"/>
+                <a:cs typeface="Open Sans"/>
+                <a:sym typeface="Open Sans"/>
+              </a:rPr>
+              <a:t>Processed by the Supervisor Agent.</a:t>
+            </a:r>
+          </a:p>
+          <a:p>
+            <a:pPr algn="l" marL="561341" indent="-280670" lvl="1">
+              <a:lnSpc>
+                <a:spcPts val="3640"/>
+              </a:lnSpc>
+              <a:buAutoNum type="arabicPeriod" startAt="1"/>
+            </a:pPr>
+            <a:r>
+              <a:rPr lang="en-US" b="true" sz="2600">
+                <a:solidFill>
+                  <a:srgbClr val="000000"/>
+                </a:solidFill>
+                <a:latin typeface="Open Sans Bold"/>
+                <a:ea typeface="Open Sans Bold"/>
+                <a:cs typeface="Open Sans Bold"/>
+                <a:sym typeface="Open Sans Bold"/>
+              </a:rPr>
+              <a:t>Task Routing →</a:t>
+            </a:r>
+            <a:r>
+              <a:rPr lang="en-US" sz="2600">
+                <a:solidFill>
+                  <a:srgbClr val="000000"/>
+                </a:solidFill>
+                <a:latin typeface="Open Sans"/>
+                <a:ea typeface="Open Sans"/>
+                <a:cs typeface="Open Sans"/>
+                <a:sym typeface="Open Sans"/>
+              </a:rPr>
+              <a:t> The Supervisor assigns tasks to the most relevant agent.</a:t>
+            </a:r>
+          </a:p>
+          <a:p>
+            <a:pPr algn="l" marL="561341" indent="-280670" lvl="1">
+              <a:lnSpc>
+                <a:spcPts val="3640"/>
+              </a:lnSpc>
+              <a:buAutoNum type="arabicPeriod" startAt="1"/>
+            </a:pPr>
+            <a:r>
+              <a:rPr lang="en-US" b="true" sz="2600">
+                <a:solidFill>
+                  <a:srgbClr val="000000"/>
+                </a:solidFill>
+                <a:latin typeface="Open Sans Bold"/>
+                <a:ea typeface="Open Sans Bold"/>
+                <a:cs typeface="Open Sans Bold"/>
+                <a:sym typeface="Open Sans Bold"/>
+              </a:rPr>
+              <a:t>Processing → </a:t>
+            </a:r>
+            <a:r>
+              <a:rPr lang="en-US" sz="2600">
+                <a:solidFill>
+                  <a:srgbClr val="000000"/>
+                </a:solidFill>
+                <a:latin typeface="Open Sans"/>
+                <a:ea typeface="Open Sans"/>
+                <a:cs typeface="Open Sans"/>
+                <a:sym typeface="Open Sans"/>
+              </a:rPr>
+              <a:t>Agents collaborate and generate responses.</a:t>
+            </a:r>
+          </a:p>
+          <a:p>
+            <a:pPr algn="l" marL="561341" indent="-280670" lvl="1">
+              <a:lnSpc>
+                <a:spcPts val="3640"/>
+              </a:lnSpc>
+              <a:buAutoNum type="arabicPeriod" startAt="1"/>
+            </a:pPr>
+            <a:r>
+              <a:rPr lang="en-US" b="true" sz="2600">
+                <a:solidFill>
+                  <a:srgbClr val="000000"/>
+                </a:solidFill>
+                <a:latin typeface="Open Sans Bold"/>
+                <a:ea typeface="Open Sans Bold"/>
+                <a:cs typeface="Open Sans Bold"/>
+                <a:sym typeface="Open Sans Bold"/>
+              </a:rPr>
+              <a:t>Validation →</a:t>
+            </a:r>
+            <a:r>
+              <a:rPr lang="en-US" sz="2600">
+                <a:solidFill>
+                  <a:srgbClr val="000000"/>
+                </a:solidFill>
+                <a:latin typeface="Open Sans"/>
+                <a:ea typeface="Open Sans"/>
+                <a:cs typeface="Open Sans"/>
+                <a:sym typeface="Open Sans"/>
+              </a:rPr>
+              <a:t> The Validator Agent ensures quality control.</a:t>
+            </a:r>
+          </a:p>
+          <a:p>
+            <a:pPr algn="l" marL="561341" indent="-280670" lvl="1">
+              <a:lnSpc>
+                <a:spcPts val="3640"/>
+              </a:lnSpc>
+              <a:buAutoNum type="arabicPeriod" startAt="1"/>
+            </a:pPr>
+            <a:r>
+              <a:rPr lang="en-US" b="true" sz="2600">
+                <a:solidFill>
+                  <a:srgbClr val="000000"/>
+                </a:solidFill>
+                <a:latin typeface="Open Sans Bold"/>
+                <a:ea typeface="Open Sans Bold"/>
+                <a:cs typeface="Open Sans Bold"/>
+                <a:sym typeface="Open Sans Bold"/>
+              </a:rPr>
+              <a:t>Final Response → </a:t>
+            </a:r>
+            <a:r>
+              <a:rPr lang="en-US" sz="2600">
+                <a:solidFill>
+                  <a:srgbClr val="000000"/>
+                </a:solidFill>
+                <a:latin typeface="Open Sans"/>
+                <a:ea typeface="Open Sans"/>
+                <a:cs typeface="Open Sans"/>
+                <a:sym typeface="Open Sans"/>
+              </a:rPr>
+              <a:t>A refined, and accurate answer is presented to the user.</a:t>
+            </a:r>
+          </a:p>
+          <a:p>
+            <a:pPr algn="l">
+              <a:lnSpc>
+                <a:spcPts val="3640"/>
+              </a:lnSpc>
+            </a:pPr>
+          </a:p>
+          <a:p>
+            <a:pPr algn="l">
+              <a:lnSpc>
+                <a:spcPts val="4059"/>
+              </a:lnSpc>
+            </a:pPr>
+            <a:r>
+              <a:rPr lang="en-US" sz="2899">
+                <a:solidFill>
+                  <a:srgbClr val="000000"/>
+                </a:solidFill>
+                <a:latin typeface="Open Sans"/>
+                <a:ea typeface="Open Sans"/>
+                <a:cs typeface="Open Sans"/>
+                <a:sym typeface="Open Sans"/>
+              </a:rPr>
               <a:t>Example Use Cases:</a:t>
             </a:r>
           </a:p>
@@ -4649,6 +5182,18 @@
               <a:buChar char="•"/>
             </a:pPr>
             <a:r>
+              <a:rPr lang="en-US" b="true" sz="2600">
+                <a:solidFill>
+                  <a:srgbClr val="000000"/>
+                </a:solidFill>
+                <a:latin typeface="Open Sans Bold"/>
+                <a:ea typeface="Open Sans Bold"/>
+                <a:cs typeface="Open Sans Bold"/>
+                <a:sym typeface="Open Sans Bold"/>
+              </a:rPr>
+              <a:t>Weather Query → </a:t>
+            </a:r>
+            <a:r>
               <a:rPr lang="en-US" sz="2600">
                 <a:solidFill>
                   <a:srgbClr val="000000"/>
@@ -4658,7 +5203,7 @@
                 <a:cs typeface="Open Sans"/>
                 <a:sym typeface="Open Sans"/>
               </a:rPr>
-              <a:t>A user asks for the weather → Researcher Agent retrieves real-time data.</a:t>
+              <a:t>The Researcher Agent retrieves real-time weather data.</a:t>
             </a:r>
           </a:p>
           <a:p>
@@ -4670,6 +5215,18 @@
               <a:buChar char="•"/>
             </a:pPr>
             <a:r>
+              <a:rPr lang="en-US" b="true" sz="2600">
+                <a:solidFill>
+                  <a:srgbClr val="000000"/>
+                </a:solidFill>
+                <a:latin typeface="Open Sans Bold"/>
+                <a:ea typeface="Open Sans Bold"/>
+                <a:cs typeface="Open Sans Bold"/>
+                <a:sym typeface="Open Sans Bold"/>
+              </a:rPr>
+              <a:t>Python Code Execution → </a:t>
+            </a:r>
+            <a:r>
               <a:rPr lang="en-US" sz="2600">
                 <a:solidFill>
                   <a:srgbClr val="000000"/>
@@ -4679,7 +5236,7 @@
                 <a:cs typeface="Open Sans"/>
                 <a:sym typeface="Open Sans"/>
               </a:rPr>
-              <a:t>A user asks for Python code execution → Coder Agent processes and returns the output.</a:t>
+              <a:t>The Coder Agent executes and verifies results.</a:t>
             </a:r>
           </a:p>
         </p:txBody>
@@ -4692,8 +5249,8 @@
         </p:nvSpPr>
         <p:spPr>
           <a:xfrm rot="0">
-            <a:off x="1028700" y="1257300"/>
-            <a:ext cx="12836883" cy="1600200"/>
+            <a:off x="1028700" y="1219200"/>
+            <a:ext cx="12836883" cy="1330297"/>
           </a:xfrm>
           <a:prstGeom prst="rect">
             <a:avLst/>
@@ -4707,11 +5264,11 @@
           <a:p>
             <a:pPr algn="l">
               <a:lnSpc>
-                <a:spcPts val="12000"/>
-              </a:lnSpc>
-            </a:pPr>
-            <a:r>
-              <a:rPr lang="en-US" sz="12000">
+                <a:spcPts val="9999"/>
+              </a:lnSpc>
+            </a:pPr>
+            <a:r>
+              <a:rPr lang="en-US" sz="9999">
                 <a:solidFill>
                   <a:srgbClr val="018575"/>
                 </a:solidFill>
@@ -4720,7 +5277,7 @@
                 <a:cs typeface="Open Sans"/>
                 <a:sym typeface="Open Sans"/>
               </a:rPr>
-              <a:t>Work-Flow</a:t>
+              <a:t>Workflow</a:t>
             </a:r>
           </a:p>
         </p:txBody>
@@ -4875,7 +5432,7 @@
         <p:spPr>
           <a:xfrm rot="0">
             <a:off x="1028700" y="3732988"/>
-            <a:ext cx="10671175" cy="5477185"/>
+            <a:ext cx="12462807" cy="5934358"/>
           </a:xfrm>
           <a:prstGeom prst="rect">
             <a:avLst/>
@@ -4904,7 +5461,19 @@
                 <a:cs typeface="Open Sans Bold"/>
                 <a:sym typeface="Open Sans Bold"/>
               </a:rPr>
-              <a:t>Handling Conflicting Outputs: </a:t>
+              <a:t>Zero-Shot Learning: </a:t>
+            </a:r>
+            <a:r>
+              <a:rPr lang="en-US" sz="2600">
+                <a:solidFill>
+                  <a:srgbClr val="000000"/>
+                </a:solidFill>
+                <a:latin typeface="Open Sans"/>
+                <a:ea typeface="Open Sans"/>
+                <a:cs typeface="Open Sans"/>
+                <a:sym typeface="Open Sans"/>
+              </a:rPr>
+              <a:t>The model generates responses without prior examples.</a:t>
             </a:r>
           </a:p>
           <a:p>
@@ -4925,7 +5494,7 @@
                 <a:cs typeface="Open Sans"/>
                 <a:sym typeface="Open Sans"/>
               </a:rPr>
-              <a:t>When multiple agents generate responses, the system must resolve inconsistencies and merge insights coherently to provide a unified, accurate answer</a:t>
+              <a:t>Example: "What is the capital of France?" → "The capital of France is Paris."</a:t>
             </a:r>
           </a:p>
           <a:p>
@@ -4946,7 +5515,19 @@
                 <a:cs typeface="Open Sans Bold"/>
                 <a:sym typeface="Open Sans Bold"/>
               </a:rPr>
-              <a:t>Efficiency &amp; Low Latency: </a:t>
+              <a:t>One-Shot Learning: </a:t>
+            </a:r>
+            <a:r>
+              <a:rPr lang="en-US" sz="2600">
+                <a:solidFill>
+                  <a:srgbClr val="000000"/>
+                </a:solidFill>
+                <a:latin typeface="Open Sans"/>
+                <a:ea typeface="Open Sans"/>
+                <a:cs typeface="Open Sans"/>
+                <a:sym typeface="Open Sans"/>
+              </a:rPr>
+              <a:t>The model is given one example before answering a new question.</a:t>
             </a:r>
           </a:p>
           <a:p>
@@ -4967,7 +5548,28 @@
                 <a:cs typeface="Open Sans"/>
                 <a:sym typeface="Open Sans"/>
               </a:rPr>
-              <a:t>The chatbot must process queries quickly, optimize resource usage, and ensure that responses maintain high accuracy without unnecessary delays</a:t>
+              <a:t>Example: "Who wrote 1984?" → "George Orwell wrote 1984."</a:t>
+            </a:r>
+          </a:p>
+          <a:p>
+            <a:pPr algn="l" marL="1122681" indent="-374227" lvl="2">
+              <a:lnSpc>
+                <a:spcPts val="3640"/>
+              </a:lnSpc>
+              <a:buFont typeface="Arial"/>
+              <a:buChar char="⚬"/>
+            </a:pPr>
+            <a:r>
+              <a:rPr lang="en-US" sz="2600">
+                <a:solidFill>
+                  <a:srgbClr val="000000"/>
+                </a:solidFill>
+                <a:latin typeface="Open Sans"/>
+                <a:ea typeface="Open Sans"/>
+                <a:cs typeface="Open Sans"/>
+                <a:sym typeface="Open Sans"/>
+              </a:rPr>
+              <a:t>New Question: "Who wrote Hamlet?" → "William Shakespeare wrote Hamlet."</a:t>
             </a:r>
           </a:p>
           <a:p>
@@ -4988,7 +5590,19 @@
                 <a:cs typeface="Open Sans Bold"/>
                 <a:sym typeface="Open Sans Bold"/>
               </a:rPr>
-              <a:t>Task Prioritization: </a:t>
+              <a:t>Few-Shot Learning: </a:t>
+            </a:r>
+            <a:r>
+              <a:rPr lang="en-US" sz="2600">
+                <a:solidFill>
+                  <a:srgbClr val="000000"/>
+                </a:solidFill>
+                <a:latin typeface="Open Sans"/>
+                <a:ea typeface="Open Sans"/>
+                <a:cs typeface="Open Sans"/>
+                <a:sym typeface="Open Sans"/>
+              </a:rPr>
+              <a:t>The model is given multiple examples before answering.</a:t>
             </a:r>
           </a:p>
           <a:p>
@@ -5009,7 +5623,28 @@
                 <a:cs typeface="Open Sans"/>
                 <a:sym typeface="Open Sans"/>
               </a:rPr>
-              <a:t>The Supervisor Agent must intelligently route tasks to the most suitable agent, avoiding redundant processing and ensuring optimal workflow execution</a:t>
+              <a:t>Example 1: "Who wrote 1984?" → "George Orwell wrote 1984."</a:t>
+            </a:r>
+          </a:p>
+          <a:p>
+            <a:pPr algn="l" marL="1122681" indent="-374227" lvl="2">
+              <a:lnSpc>
+                <a:spcPts val="3640"/>
+              </a:lnSpc>
+              <a:buFont typeface="Arial"/>
+              <a:buChar char="⚬"/>
+            </a:pPr>
+            <a:r>
+              <a:rPr lang="en-US" sz="2600">
+                <a:solidFill>
+                  <a:srgbClr val="000000"/>
+                </a:solidFill>
+                <a:latin typeface="Open Sans"/>
+                <a:ea typeface="Open Sans"/>
+                <a:cs typeface="Open Sans"/>
+                <a:sym typeface="Open Sans"/>
+              </a:rPr>
+              <a:t>New Question: "Who painted the Mona Lisa?" → "Leonardo da Vinci painted the Mona Lisa."</a:t>
             </a:r>
           </a:p>
         </p:txBody>
@@ -5022,8 +5657,8 @@
         </p:nvSpPr>
         <p:spPr>
           <a:xfrm rot="0">
-            <a:off x="1028700" y="1257300"/>
-            <a:ext cx="12836883" cy="1600200"/>
+            <a:off x="1028700" y="1012067"/>
+            <a:ext cx="12836883" cy="2597095"/>
           </a:xfrm>
           <a:prstGeom prst="rect">
             <a:avLst/>
@@ -5037,11 +5672,11 @@
           <a:p>
             <a:pPr algn="l">
               <a:lnSpc>
-                <a:spcPts val="12000"/>
-              </a:lnSpc>
-            </a:pPr>
-            <a:r>
-              <a:rPr lang="en-US" sz="12000">
+                <a:spcPts val="9999"/>
+              </a:lnSpc>
+            </a:pPr>
+            <a:r>
+              <a:rPr lang="en-US" sz="9999">
                 <a:solidFill>
                   <a:srgbClr val="018575"/>
                 </a:solidFill>
@@ -5050,7 +5685,7 @@
                 <a:cs typeface="Open Sans"/>
                 <a:sym typeface="Open Sans"/>
               </a:rPr>
-              <a:t>Key Challenges</a:t>
+              <a:t>Learning Approaches in the Chatbot</a:t>
             </a:r>
           </a:p>
         </p:txBody>
@@ -5067,12 +5702,12 @@
 </file>
 
 <file path=ppt/slides/slide7.xml><?xml version="1.0" encoding="utf-8"?>
-<p:sld xmlns:p="http://schemas.openxmlformats.org/presentationml/2006/main" xmlns:a="http://schemas.openxmlformats.org/drawingml/2006/main">
+<p:sld xmlns:p="http://schemas.openxmlformats.org/presentationml/2006/main" xmlns:a="http://schemas.openxmlformats.org/drawingml/2006/main" xmlns:r="http://schemas.openxmlformats.org/officeDocument/2006/relationships">
   <p:cSld>
     <p:bg>
       <p:bgPr>
         <a:solidFill>
-          <a:srgbClr val="018575"/>
+          <a:srgbClr val="F9F7F0"/>
         </a:solidFill>
       </p:bgPr>
     </p:bg>
@@ -5090,81 +5725,122 @@
           <a:chExt cx="0" cy="0"/>
         </a:xfrm>
       </p:grpSpPr>
-      <p:sp>
-        <p:nvSpPr>
-          <p:cNvPr name="TextBox 2" id="2"/>
-          <p:cNvSpPr txBox="true"/>
+      <p:grpSp>
+        <p:nvGrpSpPr>
+          <p:cNvPr name="Group 2" id="2"/>
+          <p:cNvGrpSpPr/>
           <p:nvPr/>
-        </p:nvSpPr>
+        </p:nvGrpSpPr>
+        <p:grpSpPr>
+          <a:xfrm rot="0">
+            <a:off x="13865583" y="0"/>
+            <a:ext cx="4422417" cy="10287000"/>
+            <a:chOff x="0" y="0"/>
+            <a:chExt cx="1164752" cy="2709333"/>
+          </a:xfrm>
+        </p:grpSpPr>
+        <p:sp>
+          <p:nvSpPr>
+            <p:cNvPr name="Freeform 3" id="3"/>
+            <p:cNvSpPr/>
+            <p:nvPr/>
+          </p:nvSpPr>
+          <p:spPr>
+            <a:xfrm flipH="false" flipV="false" rot="0">
+              <a:off x="0" y="0"/>
+              <a:ext cx="1164752" cy="2709333"/>
+            </a:xfrm>
+            <a:custGeom>
+              <a:avLst/>
+              <a:gdLst/>
+              <a:ahLst/>
+              <a:cxnLst/>
+              <a:rect r="r" b="b" t="t" l="l"/>
+              <a:pathLst>
+                <a:path h="2709333" w="1164752">
+                  <a:moveTo>
+                    <a:pt x="0" y="0"/>
+                  </a:moveTo>
+                  <a:lnTo>
+                    <a:pt x="1164752" y="0"/>
+                  </a:lnTo>
+                  <a:lnTo>
+                    <a:pt x="1164752" y="2709333"/>
+                  </a:lnTo>
+                  <a:lnTo>
+                    <a:pt x="0" y="2709333"/>
+                  </a:lnTo>
+                  <a:close/>
+                </a:path>
+              </a:pathLst>
+            </a:custGeom>
+            <a:solidFill>
+              <a:srgbClr val="018575"/>
+            </a:solidFill>
+          </p:spPr>
+        </p:sp>
+        <p:sp>
+          <p:nvSpPr>
+            <p:cNvPr name="TextBox 4" id="4"/>
+            <p:cNvSpPr txBox="true"/>
+            <p:nvPr/>
+          </p:nvSpPr>
+          <p:spPr>
+            <a:xfrm>
+              <a:off x="0" y="-9525"/>
+              <a:ext cx="1164752" cy="2718858"/>
+            </a:xfrm>
+            <a:prstGeom prst="rect">
+              <a:avLst/>
+            </a:prstGeom>
+          </p:spPr>
+          <p:txBody>
+            <a:bodyPr anchor="ctr" rtlCol="false" tIns="50800" lIns="50800" bIns="50800" rIns="50800"/>
+            <a:lstStyle/>
+            <a:p>
+              <a:pPr algn="ctr">
+                <a:lnSpc>
+                  <a:spcPts val="1934"/>
+                </a:lnSpc>
+              </a:pPr>
+            </a:p>
+          </p:txBody>
+        </p:sp>
+      </p:grpSp>
+      <p:pic>
+        <p:nvPicPr>
+          <p:cNvPr name="Picture 5" id="5"/>
+          <p:cNvPicPr>
+            <a:picLocks noChangeAspect="true"/>
+          </p:cNvPicPr>
+          <p:nvPr/>
+        </p:nvPicPr>
+        <p:blipFill>
+          <a:blip r:embed="rId2"/>
+          <a:stretch>
+            <a:fillRect/>
+          </a:stretch>
+        </p:blipFill>
         <p:spPr>
           <a:xfrm rot="0">
-            <a:off x="1028700" y="1257300"/>
-            <a:ext cx="8353425" cy="1600200"/>
+            <a:off x="14100825" y="197321"/>
+            <a:ext cx="3951932" cy="9976544"/>
           </a:xfrm>
           <a:prstGeom prst="rect">
             <a:avLst/>
           </a:prstGeom>
         </p:spPr>
-        <p:txBody>
-          <a:bodyPr anchor="t" rtlCol="false" tIns="0" lIns="0" bIns="0" rIns="0">
-            <a:spAutoFit/>
-          </a:bodyPr>
-          <a:lstStyle/>
-          <a:p>
-            <a:pPr algn="l">
-              <a:lnSpc>
-                <a:spcPts val="12000"/>
-              </a:lnSpc>
-            </a:pPr>
-            <a:r>
-              <a:rPr lang="en-US" sz="12000">
-                <a:solidFill>
-                  <a:srgbClr val="F9F7F0"/>
-                </a:solidFill>
-                <a:latin typeface="Open Sans"/>
-                <a:ea typeface="Open Sans"/>
-                <a:cs typeface="Open Sans"/>
-                <a:sym typeface="Open Sans"/>
-              </a:rPr>
-              <a:t>Conclusion</a:t>
-            </a:r>
-          </a:p>
-        </p:txBody>
-      </p:sp>
-      <p:sp>
-        <p:nvSpPr>
-          <p:cNvPr name="AutoShape 3" id="3"/>
-          <p:cNvSpPr/>
-          <p:nvPr/>
-        </p:nvSpPr>
-        <p:spPr>
-          <a:xfrm>
-            <a:off x="1000125" y="2847975"/>
-            <a:ext cx="16287750" cy="0"/>
-          </a:xfrm>
-          <a:prstGeom prst="line">
-            <a:avLst/>
-          </a:prstGeom>
-          <a:ln cap="flat" w="19050">
-            <a:solidFill>
-              <a:srgbClr val="F9F7F0"/>
-            </a:solidFill>
-            <a:prstDash val="solid"/>
-            <a:headEnd type="none" len="sm" w="sm"/>
-            <a:tailEnd type="none" len="sm" w="sm"/>
-          </a:ln>
-        </p:spPr>
-      </p:sp>
-      <p:sp>
-        <p:nvSpPr>
-          <p:cNvPr name="TextBox 4" id="4"/>
+      </p:pic>
+      <p:sp>
+        <p:nvSpPr>
+          <p:cNvPr name="TextBox 6" id="6"/>
           <p:cNvSpPr txBox="true"/>
           <p:nvPr/>
         </p:nvSpPr>
         <p:spPr>
           <a:xfrm rot="0">
-            <a:off x="1028700" y="3541779"/>
-            <a:ext cx="12665345" cy="4599723"/>
+            <a:off x="1028700" y="2981042"/>
+            <a:ext cx="12462807" cy="6848704"/>
           </a:xfrm>
           <a:prstGeom prst="rect">
             <a:avLst/>
@@ -5176,22 +5852,66 @@
           </a:bodyPr>
           <a:lstStyle/>
           <a:p>
-            <a:pPr algn="l">
-              <a:lnSpc>
-                <a:spcPts val="3779"/>
-              </a:lnSpc>
-            </a:pPr>
-            <a:r>
-              <a:rPr lang="en-US" sz="2700" b="true">
-                <a:solidFill>
-                  <a:srgbClr val="F9F7F0"/>
+            <a:pPr algn="l" marL="561341" indent="-280670" lvl="1">
+              <a:lnSpc>
+                <a:spcPts val="3640"/>
+              </a:lnSpc>
+              <a:buFont typeface="Arial"/>
+              <a:buChar char="•"/>
+            </a:pPr>
+            <a:r>
+              <a:rPr lang="en-US" b="true" sz="2600">
+                <a:solidFill>
+                  <a:srgbClr val="000000"/>
                 </a:solidFill>
                 <a:latin typeface="Open Sans Bold"/>
                 <a:ea typeface="Open Sans Bold"/>
                 <a:cs typeface="Open Sans Bold"/>
                 <a:sym typeface="Open Sans Bold"/>
               </a:rPr>
-              <a:t>Key Takeaways:</a:t>
+              <a:t>Why RAG?</a:t>
+            </a:r>
+          </a:p>
+          <a:p>
+            <a:pPr algn="l" marL="1122681" indent="-374227" lvl="2">
+              <a:lnSpc>
+                <a:spcPts val="3640"/>
+              </a:lnSpc>
+              <a:buFont typeface="Arial"/>
+              <a:buChar char="⚬"/>
+            </a:pPr>
+            <a:r>
+              <a:rPr lang="en-US" sz="2600">
+                <a:solidFill>
+                  <a:srgbClr val="000000"/>
+                </a:solidFill>
+                <a:latin typeface="Open Sans"/>
+                <a:ea typeface="Open Sans"/>
+                <a:cs typeface="Open Sans"/>
+                <a:sym typeface="Open Sans"/>
+              </a:rPr>
+              <a:t>Standard LLMs lack real-time knowledge beyond training data.</a:t>
+            </a:r>
+          </a:p>
+          <a:p>
+            <a:pPr algn="l" marL="1122681" indent="-374227" lvl="2">
+              <a:lnSpc>
+                <a:spcPts val="3640"/>
+              </a:lnSpc>
+              <a:buFont typeface="Arial"/>
+              <a:buChar char="⚬"/>
+            </a:pPr>
+            <a:r>
+              <a:rPr lang="en-US" sz="2600">
+                <a:solidFill>
+                  <a:srgbClr val="000000"/>
+                </a:solidFill>
+                <a:latin typeface="Open Sans"/>
+                <a:ea typeface="Open Sans"/>
+                <a:cs typeface="Open Sans"/>
+                <a:sym typeface="Open Sans"/>
+              </a:rPr>
+              <a:t>RAG enables dynamic knowledge retrieval from sources like Wikipedia and Arxiv.</a:t>
             </a:r>
           </a:p>
           <a:p>
@@ -5203,96 +5923,76 @@
               <a:buChar char="•"/>
             </a:pPr>
             <a:r>
-              <a:rPr lang="en-US" sz="2600">
-                <a:solidFill>
-                  <a:srgbClr val="F9F7F0"/>
-                </a:solidFill>
-                <a:latin typeface="Open Sans"/>
-                <a:ea typeface="Open Sans"/>
-                <a:cs typeface="Open Sans"/>
-                <a:sym typeface="Open Sans"/>
-              </a:rPr>
-              <a:t>Modular desi</a:t>
-            </a:r>
-            <a:r>
-              <a:rPr lang="en-US" sz="2600">
-                <a:solidFill>
-                  <a:srgbClr val="F9F7F0"/>
-                </a:solidFill>
-                <a:latin typeface="Open Sans"/>
-                <a:ea typeface="Open Sans"/>
-                <a:cs typeface="Open Sans"/>
-                <a:sym typeface="Open Sans"/>
-              </a:rPr>
-              <a:t>gn improves chatbot intelligence and accuracy.</a:t>
-            </a:r>
-          </a:p>
-          <a:p>
-            <a:pPr algn="l" marL="561341" indent="-280670" lvl="1">
-              <a:lnSpc>
-                <a:spcPts val="3640"/>
-              </a:lnSpc>
-              <a:buFont typeface="Arial"/>
-              <a:buChar char="•"/>
-            </a:pPr>
-            <a:r>
-              <a:rPr lang="en-US" sz="2600">
-                <a:solidFill>
-                  <a:srgbClr val="F9F7F0"/>
-                </a:solidFill>
-                <a:latin typeface="Open Sans"/>
-                <a:ea typeface="Open Sans"/>
-                <a:cs typeface="Open Sans"/>
-                <a:sym typeface="Open Sans"/>
-              </a:rPr>
-              <a:t>Specialized agents allow for better query handling.</a:t>
-            </a:r>
-          </a:p>
-          <a:p>
-            <a:pPr algn="l" marL="561341" indent="-280670" lvl="1">
-              <a:lnSpc>
-                <a:spcPts val="3640"/>
-              </a:lnSpc>
-              <a:buFont typeface="Arial"/>
-              <a:buChar char="•"/>
-            </a:pPr>
-            <a:r>
-              <a:rPr lang="en-US" sz="2600">
-                <a:solidFill>
-                  <a:srgbClr val="F9F7F0"/>
-                </a:solidFill>
-                <a:latin typeface="Open Sans"/>
-                <a:ea typeface="Open Sans"/>
-                <a:cs typeface="Open Sans"/>
-                <a:sym typeface="Open Sans"/>
-              </a:rPr>
-              <a:t>Ensures correctness via validation mechanisms.</a:t>
-            </a:r>
-          </a:p>
-          <a:p>
-            <a:pPr algn="l">
-              <a:lnSpc>
-                <a:spcPts val="3640"/>
-              </a:lnSpc>
-            </a:pPr>
-          </a:p>
-          <a:p>
-            <a:pPr algn="l">
-              <a:lnSpc>
-                <a:spcPts val="3779"/>
-              </a:lnSpc>
-            </a:pPr>
-            <a:r>
-              <a:rPr lang="en-US" sz="2700" b="true">
-                <a:solidFill>
-                  <a:srgbClr val="F9F7F0"/>
+              <a:rPr lang="en-US" b="true" sz="2600">
+                <a:solidFill>
+                  <a:srgbClr val="000000"/>
                 </a:solidFill>
                 <a:latin typeface="Open Sans Bold"/>
                 <a:ea typeface="Open Sans Bold"/>
                 <a:cs typeface="Open Sans Bold"/>
                 <a:sym typeface="Open Sans Bold"/>
               </a:rPr>
-              <a:t>Future Scope:</a:t>
+              <a:t>How RAG Works in This Chatbot</a:t>
+            </a:r>
+          </a:p>
+          <a:p>
+            <a:pPr algn="l" marL="1122681" indent="-374227" lvl="2">
+              <a:lnSpc>
+                <a:spcPts val="3640"/>
+              </a:lnSpc>
+              <a:buAutoNum type="alphaLcPeriod" startAt="1"/>
+            </a:pPr>
+            <a:r>
+              <a:rPr lang="en-US" sz="2600">
+                <a:solidFill>
+                  <a:srgbClr val="000000"/>
+                </a:solidFill>
+                <a:latin typeface="Open Sans"/>
+                <a:ea typeface="Open Sans"/>
+                <a:cs typeface="Open Sans"/>
+                <a:sym typeface="Open Sans"/>
+              </a:rPr>
+              <a:t>The chatbot retrieves relevant documents from Wikipedia or Arxiv.</a:t>
+            </a:r>
+          </a:p>
+          <a:p>
+            <a:pPr algn="l" marL="1122681" indent="-374227" lvl="2">
+              <a:lnSpc>
+                <a:spcPts val="3640"/>
+              </a:lnSpc>
+              <a:buAutoNum type="alphaLcPeriod" startAt="1"/>
+            </a:pPr>
+            <a:r>
+              <a:rPr lang="en-US" sz="2600">
+                <a:solidFill>
+                  <a:srgbClr val="000000"/>
+                </a:solidFill>
+                <a:latin typeface="Open Sans"/>
+                <a:ea typeface="Open Sans"/>
+                <a:cs typeface="Open Sans"/>
+                <a:sym typeface="Open Sans"/>
+              </a:rPr>
+              <a:t>The information is processed and used to answer user queries.</a:t>
+            </a:r>
+          </a:p>
+          <a:p>
+            <a:pPr algn="l" marL="1122681" indent="-374227" lvl="2">
+              <a:lnSpc>
+                <a:spcPts val="3640"/>
+              </a:lnSpc>
+              <a:buAutoNum type="alphaLcPeriod" startAt="1"/>
+            </a:pPr>
+            <a:r>
+              <a:rPr lang="en-US" sz="2600">
+                <a:solidFill>
+                  <a:srgbClr val="000000"/>
+                </a:solidFill>
+                <a:latin typeface="Open Sans"/>
+                <a:ea typeface="Open Sans"/>
+                <a:cs typeface="Open Sans"/>
+                <a:sym typeface="Open Sans"/>
+              </a:rPr>
+              <a:t>The chatbot combines retrieval with generation for factually accurate responses.</a:t>
             </a:r>
           </a:p>
           <a:p>
@@ -5304,66 +6004,124 @@
               <a:buChar char="•"/>
             </a:pPr>
             <a:r>
+              <a:rPr lang="en-US" b="true" sz="2600">
+                <a:solidFill>
+                  <a:srgbClr val="000000"/>
+                </a:solidFill>
+                <a:latin typeface="Open Sans Bold"/>
+                <a:ea typeface="Open Sans Bold"/>
+                <a:cs typeface="Open Sans Bold"/>
+                <a:sym typeface="Open Sans Bold"/>
+              </a:rPr>
+              <a:t>Example:</a:t>
+            </a:r>
+          </a:p>
+          <a:p>
+            <a:pPr algn="l" marL="1122681" indent="-374227" lvl="2">
+              <a:lnSpc>
+                <a:spcPts val="3640"/>
+              </a:lnSpc>
+              <a:buFont typeface="Arial"/>
+              <a:buChar char="⚬"/>
+            </a:pPr>
+            <a:r>
+              <a:rPr lang="en-US" b="true" sz="2600">
+                <a:solidFill>
+                  <a:srgbClr val="000000"/>
+                </a:solidFill>
+                <a:latin typeface="Open Sans Bold"/>
+                <a:ea typeface="Open Sans Bold"/>
+                <a:cs typeface="Open Sans Bold"/>
+                <a:sym typeface="Open Sans Bold"/>
+              </a:rPr>
+              <a:t>Query: </a:t>
+            </a:r>
+            <a:r>
               <a:rPr lang="en-US" sz="2600">
                 <a:solidFill>
-                  <a:srgbClr val="F9F7F0"/>
-                </a:solidFill>
-                <a:latin typeface="Open Sans"/>
-                <a:ea typeface="Open Sans"/>
-                <a:cs typeface="Open Sans"/>
-                <a:sym typeface="Open Sans"/>
-              </a:rPr>
-              <a:t>Add more domain-specific agents (e.g., medical, legal, finance).</a:t>
-            </a:r>
-          </a:p>
-          <a:p>
-            <a:pPr algn="l" marL="561341" indent="-280670" lvl="1">
+                  <a:srgbClr val="000000"/>
+                </a:solidFill>
+                <a:latin typeface="Open Sans"/>
+                <a:ea typeface="Open Sans"/>
+                <a:cs typeface="Open Sans"/>
+                <a:sym typeface="Open Sans"/>
+              </a:rPr>
+              <a:t>"Impact of climate change on agriculture?"</a:t>
+            </a:r>
+          </a:p>
+          <a:p>
+            <a:pPr algn="l" marL="1122681" indent="-374227" lvl="2">
               <a:lnSpc>
                 <a:spcPts val="3640"/>
               </a:lnSpc>
               <a:buFont typeface="Arial"/>
-              <a:buChar char="•"/>
-            </a:pPr>
+              <a:buChar char="⚬"/>
+            </a:pPr>
+            <a:r>
+              <a:rPr lang="en-US" b="true" sz="2600">
+                <a:solidFill>
+                  <a:srgbClr val="000000"/>
+                </a:solidFill>
+                <a:latin typeface="Open Sans Bold"/>
+                <a:ea typeface="Open Sans Bold"/>
+                <a:cs typeface="Open Sans Bold"/>
+                <a:sym typeface="Open Sans Bold"/>
+              </a:rPr>
+              <a:t>RAG Output:</a:t>
+            </a:r>
             <a:r>
               <a:rPr lang="en-US" sz="2600">
                 <a:solidFill>
-                  <a:srgbClr val="F9F7F0"/>
-                </a:solidFill>
-                <a:latin typeface="Open Sans"/>
-                <a:ea typeface="Open Sans"/>
-                <a:cs typeface="Open Sans"/>
-                <a:sym typeface="Open Sans"/>
-              </a:rPr>
-              <a:t>Improve NLP capabilities with better query understanding.</a:t>
-            </a:r>
-          </a:p>
-          <a:p>
-            <a:pPr algn="l" marL="561341" indent="-280670" lvl="1">
-              <a:lnSpc>
-                <a:spcPts val="3640"/>
-              </a:lnSpc>
-              <a:buFont typeface="Arial"/>
-              <a:buChar char="•"/>
-            </a:pPr>
-            <a:r>
-              <a:rPr lang="en-US" sz="2600">
-                <a:solidFill>
-                  <a:srgbClr val="F9F7F0"/>
-                </a:solidFill>
-                <a:latin typeface="Open Sans"/>
-                <a:ea typeface="Open Sans"/>
-                <a:cs typeface="Open Sans"/>
-                <a:sym typeface="Open Sans"/>
-              </a:rPr>
-              <a:t>Optimize response speed using asynchronous processing.</a:t>
-            </a:r>
-          </a:p>
+                  <a:srgbClr val="000000"/>
+                </a:solidFill>
+                <a:latin typeface="Open Sans"/>
+                <a:ea typeface="Open Sans"/>
+                <a:cs typeface="Open Sans"/>
+                <a:sym typeface="Open Sans"/>
+              </a:rPr>
+              <a:t> "Climate change affects agriculture through rising temperatures, changes in precipitation, and extreme weather events. Studies show that crop yields may decline by 10-25% by 2050 unless adaptive measures are implemented.</a:t>
+            </a:r>
+          </a:p>
+        </p:txBody>
+      </p:sp>
+      <p:sp>
+        <p:nvSpPr>
+          <p:cNvPr name="TextBox 7" id="7"/>
+          <p:cNvSpPr txBox="true"/>
+          <p:nvPr/>
+        </p:nvSpPr>
+        <p:spPr>
+          <a:xfrm rot="0">
+            <a:off x="1028700" y="1200150"/>
+            <a:ext cx="12836883" cy="1224325"/>
+          </a:xfrm>
+          <a:prstGeom prst="rect">
+            <a:avLst/>
+          </a:prstGeom>
+        </p:spPr>
+        <p:txBody>
+          <a:bodyPr anchor="t" rtlCol="false" tIns="0" lIns="0" bIns="0" rIns="0">
+            <a:spAutoFit/>
+          </a:bodyPr>
+          <a:lstStyle/>
           <a:p>
             <a:pPr algn="l">
               <a:lnSpc>
-                <a:spcPts val="3640"/>
-              </a:lnSpc>
-            </a:pPr>
+                <a:spcPts val="9200"/>
+              </a:lnSpc>
+            </a:pPr>
+            <a:r>
+              <a:rPr lang="en-US" sz="9200">
+                <a:solidFill>
+                  <a:srgbClr val="018575"/>
+                </a:solidFill>
+                <a:latin typeface="Open Sans"/>
+                <a:ea typeface="Open Sans"/>
+                <a:cs typeface="Open Sans"/>
+                <a:sym typeface="Open Sans"/>
+              </a:rPr>
+              <a:t>RAG Integration</a:t>
+            </a:r>
           </a:p>
         </p:txBody>
       </p:sp>
@@ -5379,12 +6137,12 @@
 </file>
 
 <file path=ppt/slides/slide8.xml><?xml version="1.0" encoding="utf-8"?>
-<p:sld xmlns:p="http://schemas.openxmlformats.org/presentationml/2006/main" xmlns:a="http://schemas.openxmlformats.org/drawingml/2006/main">
+<p:sld xmlns:p="http://schemas.openxmlformats.org/presentationml/2006/main" xmlns:a="http://schemas.openxmlformats.org/drawingml/2006/main" xmlns:r="http://schemas.openxmlformats.org/officeDocument/2006/relationships">
   <p:cSld>
     <p:bg>
       <p:bgPr>
         <a:solidFill>
-          <a:srgbClr val="018575"/>
+          <a:srgbClr val="F9F7F0"/>
         </a:solidFill>
       </p:bgPr>
     </p:bg>
@@ -5402,43 +6160,707 @@
           <a:chExt cx="0" cy="0"/>
         </a:xfrm>
       </p:grpSpPr>
-      <p:sp>
-        <p:nvSpPr>
-          <p:cNvPr name="TextBox 2" id="2"/>
-          <p:cNvSpPr txBox="true"/>
+      <p:grpSp>
+        <p:nvGrpSpPr>
+          <p:cNvPr name="Group 2" id="2"/>
+          <p:cNvGrpSpPr/>
           <p:nvPr/>
-        </p:nvSpPr>
+        </p:nvGrpSpPr>
+        <p:grpSpPr>
+          <a:xfrm rot="0">
+            <a:off x="13865583" y="0"/>
+            <a:ext cx="4422417" cy="10287000"/>
+            <a:chOff x="0" y="0"/>
+            <a:chExt cx="1164752" cy="2709333"/>
+          </a:xfrm>
+        </p:grpSpPr>
+        <p:sp>
+          <p:nvSpPr>
+            <p:cNvPr name="Freeform 3" id="3"/>
+            <p:cNvSpPr/>
+            <p:nvPr/>
+          </p:nvSpPr>
+          <p:spPr>
+            <a:xfrm flipH="false" flipV="false" rot="0">
+              <a:off x="0" y="0"/>
+              <a:ext cx="1164752" cy="2709333"/>
+            </a:xfrm>
+            <a:custGeom>
+              <a:avLst/>
+              <a:gdLst/>
+              <a:ahLst/>
+              <a:cxnLst/>
+              <a:rect r="r" b="b" t="t" l="l"/>
+              <a:pathLst>
+                <a:path h="2709333" w="1164752">
+                  <a:moveTo>
+                    <a:pt x="0" y="0"/>
+                  </a:moveTo>
+                  <a:lnTo>
+                    <a:pt x="1164752" y="0"/>
+                  </a:lnTo>
+                  <a:lnTo>
+                    <a:pt x="1164752" y="2709333"/>
+                  </a:lnTo>
+                  <a:lnTo>
+                    <a:pt x="0" y="2709333"/>
+                  </a:lnTo>
+                  <a:close/>
+                </a:path>
+              </a:pathLst>
+            </a:custGeom>
+            <a:solidFill>
+              <a:srgbClr val="018575"/>
+            </a:solidFill>
+          </p:spPr>
+        </p:sp>
+        <p:sp>
+          <p:nvSpPr>
+            <p:cNvPr name="TextBox 4" id="4"/>
+            <p:cNvSpPr txBox="true"/>
+            <p:nvPr/>
+          </p:nvSpPr>
+          <p:spPr>
+            <a:xfrm>
+              <a:off x="0" y="-9525"/>
+              <a:ext cx="1164752" cy="2718858"/>
+            </a:xfrm>
+            <a:prstGeom prst="rect">
+              <a:avLst/>
+            </a:prstGeom>
+          </p:spPr>
+          <p:txBody>
+            <a:bodyPr anchor="ctr" rtlCol="false" tIns="50800" lIns="50800" bIns="50800" rIns="50800"/>
+            <a:lstStyle/>
+            <a:p>
+              <a:pPr algn="ctr">
+                <a:lnSpc>
+                  <a:spcPts val="1934"/>
+                </a:lnSpc>
+              </a:pPr>
+            </a:p>
+          </p:txBody>
+        </p:sp>
+      </p:grpSp>
+      <p:pic>
+        <p:nvPicPr>
+          <p:cNvPr name="Picture 5" id="5"/>
+          <p:cNvPicPr>
+            <a:picLocks noChangeAspect="true"/>
+          </p:cNvPicPr>
+          <p:nvPr/>
+        </p:nvPicPr>
+        <p:blipFill>
+          <a:blip r:embed="rId2"/>
+          <a:stretch>
+            <a:fillRect/>
+          </a:stretch>
+        </p:blipFill>
         <p:spPr>
           <a:xfrm rot="0">
-            <a:off x="1028700" y="3543300"/>
-            <a:ext cx="16230600" cy="1600200"/>
+            <a:off x="14100825" y="197321"/>
+            <a:ext cx="3951932" cy="9976544"/>
           </a:xfrm>
           <a:prstGeom prst="rect">
             <a:avLst/>
           </a:prstGeom>
         </p:spPr>
+      </p:pic>
+      <p:sp>
+        <p:nvSpPr>
+          <p:cNvPr name="TextBox 6" id="6"/>
+          <p:cNvSpPr txBox="true"/>
+          <p:nvPr/>
+        </p:nvSpPr>
+        <p:spPr>
+          <a:xfrm rot="0">
+            <a:off x="1028700" y="3732988"/>
+            <a:ext cx="10671175" cy="5477185"/>
+          </a:xfrm>
+          <a:prstGeom prst="rect">
+            <a:avLst/>
+          </a:prstGeom>
+        </p:spPr>
         <p:txBody>
           <a:bodyPr anchor="t" rtlCol="false" tIns="0" lIns="0" bIns="0" rIns="0">
             <a:spAutoFit/>
           </a:bodyPr>
           <a:lstStyle/>
           <a:p>
-            <a:pPr algn="ctr">
-              <a:lnSpc>
-                <a:spcPts val="12000"/>
-              </a:lnSpc>
-            </a:pPr>
-            <a:r>
-              <a:rPr lang="en-US" sz="12000">
-                <a:solidFill>
-                  <a:srgbClr val="F9F7F0"/>
-                </a:solidFill>
-                <a:latin typeface="Open Sans"/>
-                <a:ea typeface="Open Sans"/>
-                <a:cs typeface="Open Sans"/>
-                <a:sym typeface="Open Sans"/>
-              </a:rPr>
-              <a:t>THANK YOU</a:t>
+            <a:pPr algn="l" marL="561341" indent="-280670" lvl="1">
+              <a:lnSpc>
+                <a:spcPts val="3640"/>
+              </a:lnSpc>
+              <a:buFont typeface="Arial"/>
+              <a:buChar char="•"/>
+            </a:pPr>
+            <a:r>
+              <a:rPr lang="en-US" b="true" sz="2600">
+                <a:solidFill>
+                  <a:srgbClr val="000000"/>
+                </a:solidFill>
+                <a:latin typeface="Open Sans Bold"/>
+                <a:ea typeface="Open Sans Bold"/>
+                <a:cs typeface="Open Sans Bold"/>
+                <a:sym typeface="Open Sans Bold"/>
+              </a:rPr>
+              <a:t>Handling Conflicting Outputs: </a:t>
+            </a:r>
+          </a:p>
+          <a:p>
+            <a:pPr algn="l">
+              <a:lnSpc>
+                <a:spcPts val="3640"/>
+              </a:lnSpc>
+            </a:pPr>
+            <a:r>
+              <a:rPr lang="en-US" sz="2600">
+                <a:solidFill>
+                  <a:srgbClr val="000000"/>
+                </a:solidFill>
+                <a:latin typeface="Open Sans"/>
+                <a:ea typeface="Open Sans"/>
+                <a:cs typeface="Open Sans"/>
+                <a:sym typeface="Open Sans"/>
+              </a:rPr>
+              <a:t>Ensuring that multiple agents' responses are merged cohesively without contradictions.</a:t>
+            </a:r>
+          </a:p>
+          <a:p>
+            <a:pPr algn="l" marL="561341" indent="-280670" lvl="1">
+              <a:lnSpc>
+                <a:spcPts val="3640"/>
+              </a:lnSpc>
+              <a:buFont typeface="Arial"/>
+              <a:buChar char="•"/>
+            </a:pPr>
+            <a:r>
+              <a:rPr lang="en-US" b="true" sz="2600">
+                <a:solidFill>
+                  <a:srgbClr val="000000"/>
+                </a:solidFill>
+                <a:latin typeface="Open Sans Bold"/>
+                <a:ea typeface="Open Sans Bold"/>
+                <a:cs typeface="Open Sans Bold"/>
+                <a:sym typeface="Open Sans Bold"/>
+              </a:rPr>
+              <a:t>Efficiency &amp; Low Latency: </a:t>
+            </a:r>
+          </a:p>
+          <a:p>
+            <a:pPr algn="l">
+              <a:lnSpc>
+                <a:spcPts val="3640"/>
+              </a:lnSpc>
+            </a:pPr>
+            <a:r>
+              <a:rPr lang="en-US" sz="2600">
+                <a:solidFill>
+                  <a:srgbClr val="000000"/>
+                </a:solidFill>
+                <a:latin typeface="Open Sans"/>
+                <a:ea typeface="Open Sans"/>
+                <a:cs typeface="Open Sans"/>
+                <a:sym typeface="Open Sans"/>
+              </a:rPr>
+              <a:t>Optimizing execution to minimize processing delays while ensuring high response quality.</a:t>
+            </a:r>
+          </a:p>
+          <a:p>
+            <a:pPr algn="l" marL="561341" indent="-280670" lvl="1">
+              <a:lnSpc>
+                <a:spcPts val="3640"/>
+              </a:lnSpc>
+              <a:buFont typeface="Arial"/>
+              <a:buChar char="•"/>
+            </a:pPr>
+            <a:r>
+              <a:rPr lang="en-US" b="true" sz="2600">
+                <a:solidFill>
+                  <a:srgbClr val="000000"/>
+                </a:solidFill>
+                <a:latin typeface="Open Sans Bold"/>
+                <a:ea typeface="Open Sans Bold"/>
+                <a:cs typeface="Open Sans Bold"/>
+                <a:sym typeface="Open Sans Bold"/>
+              </a:rPr>
+              <a:t>Task Prioritization:</a:t>
+            </a:r>
+          </a:p>
+          <a:p>
+            <a:pPr algn="l">
+              <a:lnSpc>
+                <a:spcPts val="3640"/>
+              </a:lnSpc>
+            </a:pPr>
+            <a:r>
+              <a:rPr lang="en-US" b="true" sz="2600">
+                <a:solidFill>
+                  <a:srgbClr val="000000"/>
+                </a:solidFill>
+                <a:latin typeface="Open Sans Bold"/>
+                <a:ea typeface="Open Sans Bold"/>
+                <a:cs typeface="Open Sans Bold"/>
+                <a:sym typeface="Open Sans Bold"/>
+              </a:rPr>
+              <a:t> </a:t>
+            </a:r>
+            <a:r>
+              <a:rPr lang="en-US" sz="2600">
+                <a:solidFill>
+                  <a:srgbClr val="000000"/>
+                </a:solidFill>
+                <a:latin typeface="Open Sans"/>
+                <a:ea typeface="Open Sans"/>
+                <a:cs typeface="Open Sans"/>
+                <a:sym typeface="Open Sans"/>
+              </a:rPr>
+              <a:t>Ensuring that the Supervisor Agent intelligently assigns tasks to the most relevant agent.</a:t>
+            </a:r>
+          </a:p>
+          <a:p>
+            <a:pPr algn="l" marL="561341" indent="-280670" lvl="1">
+              <a:lnSpc>
+                <a:spcPts val="3640"/>
+              </a:lnSpc>
+              <a:buFont typeface="Arial"/>
+              <a:buChar char="•"/>
+            </a:pPr>
+            <a:r>
+              <a:rPr lang="en-US" b="true" sz="2600">
+                <a:solidFill>
+                  <a:srgbClr val="000000"/>
+                </a:solidFill>
+                <a:latin typeface="Open Sans Bold"/>
+                <a:ea typeface="Open Sans Bold"/>
+                <a:cs typeface="Open Sans Bold"/>
+                <a:sym typeface="Open Sans Bold"/>
+              </a:rPr>
+              <a:t>Scalability Issues:</a:t>
+            </a:r>
+          </a:p>
+          <a:p>
+            <a:pPr algn="l">
+              <a:lnSpc>
+                <a:spcPts val="3640"/>
+              </a:lnSpc>
+            </a:pPr>
+            <a:r>
+              <a:rPr lang="en-US" sz="2600">
+                <a:solidFill>
+                  <a:srgbClr val="000000"/>
+                </a:solidFill>
+                <a:latin typeface="Open Sans"/>
+                <a:ea typeface="Open Sans"/>
+                <a:cs typeface="Open Sans"/>
+                <a:sym typeface="Open Sans"/>
+              </a:rPr>
+              <a:t>As the system expands, maintaining performance across multiple domains and knowledge bases.</a:t>
+            </a:r>
+          </a:p>
+        </p:txBody>
+      </p:sp>
+      <p:sp>
+        <p:nvSpPr>
+          <p:cNvPr name="TextBox 7" id="7"/>
+          <p:cNvSpPr txBox="true"/>
+          <p:nvPr/>
+        </p:nvSpPr>
+        <p:spPr>
+          <a:xfrm rot="0">
+            <a:off x="1028700" y="1219200"/>
+            <a:ext cx="12836883" cy="1330297"/>
+          </a:xfrm>
+          <a:prstGeom prst="rect">
+            <a:avLst/>
+          </a:prstGeom>
+        </p:spPr>
+        <p:txBody>
+          <a:bodyPr anchor="t" rtlCol="false" tIns="0" lIns="0" bIns="0" rIns="0">
+            <a:spAutoFit/>
+          </a:bodyPr>
+          <a:lstStyle/>
+          <a:p>
+            <a:pPr algn="l">
+              <a:lnSpc>
+                <a:spcPts val="9999"/>
+              </a:lnSpc>
+            </a:pPr>
+            <a:r>
+              <a:rPr lang="en-US" sz="9999">
+                <a:solidFill>
+                  <a:srgbClr val="018575"/>
+                </a:solidFill>
+                <a:latin typeface="Open Sans"/>
+                <a:ea typeface="Open Sans"/>
+                <a:cs typeface="Open Sans"/>
+                <a:sym typeface="Open Sans"/>
+              </a:rPr>
+              <a:t>Key Challenges</a:t>
+            </a:r>
+          </a:p>
+        </p:txBody>
+      </p:sp>
+    </p:spTree>
+  </p:cSld>
+  <p:clrMapOvr>
+    <a:masterClrMapping/>
+  </p:clrMapOvr>
+  <p:transition spd="slow">
+    <p:push dir="l"/>
+  </p:transition>
+</p:sld>
+</file>
+
+<file path=ppt/slides/slide9.xml><?xml version="1.0" encoding="utf-8"?>
+<p:sld xmlns:p="http://schemas.openxmlformats.org/presentationml/2006/main" xmlns:a="http://schemas.openxmlformats.org/drawingml/2006/main" xmlns:r="http://schemas.openxmlformats.org/officeDocument/2006/relationships">
+  <p:cSld>
+    <p:bg>
+      <p:bgPr>
+        <a:solidFill>
+          <a:srgbClr val="F9F7F0"/>
+        </a:solidFill>
+      </p:bgPr>
+    </p:bg>
+    <p:spTree>
+      <p:nvGrpSpPr>
+        <p:cNvPr id="1" name=""/>
+        <p:cNvGrpSpPr/>
+        <p:nvPr/>
+      </p:nvGrpSpPr>
+      <p:grpSpPr>
+        <a:xfrm>
+          <a:off x="0" y="0"/>
+          <a:ext cx="0" cy="0"/>
+          <a:chOff x="0" y="0"/>
+          <a:chExt cx="0" cy="0"/>
+        </a:xfrm>
+      </p:grpSpPr>
+      <p:grpSp>
+        <p:nvGrpSpPr>
+          <p:cNvPr name="Group 2" id="2"/>
+          <p:cNvGrpSpPr/>
+          <p:nvPr/>
+        </p:nvGrpSpPr>
+        <p:grpSpPr>
+          <a:xfrm rot="0">
+            <a:off x="13865583" y="0"/>
+            <a:ext cx="4422417" cy="10287000"/>
+            <a:chOff x="0" y="0"/>
+            <a:chExt cx="1164752" cy="2709333"/>
+          </a:xfrm>
+        </p:grpSpPr>
+        <p:sp>
+          <p:nvSpPr>
+            <p:cNvPr name="Freeform 3" id="3"/>
+            <p:cNvSpPr/>
+            <p:nvPr/>
+          </p:nvSpPr>
+          <p:spPr>
+            <a:xfrm flipH="false" flipV="false" rot="0">
+              <a:off x="0" y="0"/>
+              <a:ext cx="1164752" cy="2709333"/>
+            </a:xfrm>
+            <a:custGeom>
+              <a:avLst/>
+              <a:gdLst/>
+              <a:ahLst/>
+              <a:cxnLst/>
+              <a:rect r="r" b="b" t="t" l="l"/>
+              <a:pathLst>
+                <a:path h="2709333" w="1164752">
+                  <a:moveTo>
+                    <a:pt x="0" y="0"/>
+                  </a:moveTo>
+                  <a:lnTo>
+                    <a:pt x="1164752" y="0"/>
+                  </a:lnTo>
+                  <a:lnTo>
+                    <a:pt x="1164752" y="2709333"/>
+                  </a:lnTo>
+                  <a:lnTo>
+                    <a:pt x="0" y="2709333"/>
+                  </a:lnTo>
+                  <a:close/>
+                </a:path>
+              </a:pathLst>
+            </a:custGeom>
+            <a:solidFill>
+              <a:srgbClr val="018575"/>
+            </a:solidFill>
+          </p:spPr>
+        </p:sp>
+        <p:sp>
+          <p:nvSpPr>
+            <p:cNvPr name="TextBox 4" id="4"/>
+            <p:cNvSpPr txBox="true"/>
+            <p:nvPr/>
+          </p:nvSpPr>
+          <p:spPr>
+            <a:xfrm>
+              <a:off x="0" y="-9525"/>
+              <a:ext cx="1164752" cy="2718858"/>
+            </a:xfrm>
+            <a:prstGeom prst="rect">
+              <a:avLst/>
+            </a:prstGeom>
+          </p:spPr>
+          <p:txBody>
+            <a:bodyPr anchor="ctr" rtlCol="false" tIns="50800" lIns="50800" bIns="50800" rIns="50800"/>
+            <a:lstStyle/>
+            <a:p>
+              <a:pPr algn="ctr">
+                <a:lnSpc>
+                  <a:spcPts val="1934"/>
+                </a:lnSpc>
+              </a:pPr>
+            </a:p>
+          </p:txBody>
+        </p:sp>
+      </p:grpSp>
+      <p:pic>
+        <p:nvPicPr>
+          <p:cNvPr name="Picture 5" id="5"/>
+          <p:cNvPicPr>
+            <a:picLocks noChangeAspect="true"/>
+          </p:cNvPicPr>
+          <p:nvPr/>
+        </p:nvPicPr>
+        <p:blipFill>
+          <a:blip r:embed="rId2"/>
+          <a:stretch>
+            <a:fillRect/>
+          </a:stretch>
+        </p:blipFill>
+        <p:spPr>
+          <a:xfrm rot="0">
+            <a:off x="14100825" y="197321"/>
+            <a:ext cx="3951932" cy="9976544"/>
+          </a:xfrm>
+          <a:prstGeom prst="rect">
+            <a:avLst/>
+          </a:prstGeom>
+        </p:spPr>
+      </p:pic>
+      <p:sp>
+        <p:nvSpPr>
+          <p:cNvPr name="TextBox 6" id="6"/>
+          <p:cNvSpPr txBox="true"/>
+          <p:nvPr/>
+        </p:nvSpPr>
+        <p:spPr>
+          <a:xfrm rot="0">
+            <a:off x="1028700" y="3732988"/>
+            <a:ext cx="10671175" cy="5477185"/>
+          </a:xfrm>
+          <a:prstGeom prst="rect">
+            <a:avLst/>
+          </a:prstGeom>
+        </p:spPr>
+        <p:txBody>
+          <a:bodyPr anchor="t" rtlCol="false" tIns="0" lIns="0" bIns="0" rIns="0">
+            <a:spAutoFit/>
+          </a:bodyPr>
+          <a:lstStyle/>
+          <a:p>
+            <a:pPr algn="l" marL="561341" indent="-280670" lvl="1">
+              <a:lnSpc>
+                <a:spcPts val="3640"/>
+              </a:lnSpc>
+              <a:buFont typeface="Arial"/>
+              <a:buChar char="•"/>
+            </a:pPr>
+            <a:r>
+              <a:rPr lang="en-US" b="true" sz="2600">
+                <a:solidFill>
+                  <a:srgbClr val="000000"/>
+                </a:solidFill>
+                <a:latin typeface="Open Sans Bold"/>
+                <a:ea typeface="Open Sans Bold"/>
+                <a:cs typeface="Open Sans Bold"/>
+                <a:sym typeface="Open Sans Bold"/>
+              </a:rPr>
+              <a:t>More Specialized Agents: </a:t>
+            </a:r>
+          </a:p>
+          <a:p>
+            <a:pPr algn="l">
+              <a:lnSpc>
+                <a:spcPts val="3640"/>
+              </a:lnSpc>
+            </a:pPr>
+            <a:r>
+              <a:rPr lang="en-US" sz="2600">
+                <a:solidFill>
+                  <a:srgbClr val="000000"/>
+                </a:solidFill>
+                <a:latin typeface="Open Sans"/>
+                <a:ea typeface="Open Sans"/>
+                <a:cs typeface="Open Sans"/>
+                <a:sym typeface="Open Sans"/>
+              </a:rPr>
+              <a:t>Introducing new domain-specific agents (e.g., legal, medical, financial).</a:t>
+            </a:r>
+          </a:p>
+          <a:p>
+            <a:pPr algn="l" marL="561341" indent="-280670" lvl="1">
+              <a:lnSpc>
+                <a:spcPts val="3640"/>
+              </a:lnSpc>
+              <a:buFont typeface="Arial"/>
+              <a:buChar char="•"/>
+            </a:pPr>
+            <a:r>
+              <a:rPr lang="en-US" b="true" sz="2600">
+                <a:solidFill>
+                  <a:srgbClr val="000000"/>
+                </a:solidFill>
+                <a:latin typeface="Open Sans Bold"/>
+                <a:ea typeface="Open Sans Bold"/>
+                <a:cs typeface="Open Sans Bold"/>
+                <a:sym typeface="Open Sans Bold"/>
+              </a:rPr>
+              <a:t>Integration with Advanced Knowledge Bases:</a:t>
+            </a:r>
+          </a:p>
+          <a:p>
+            <a:pPr algn="l">
+              <a:lnSpc>
+                <a:spcPts val="3640"/>
+              </a:lnSpc>
+            </a:pPr>
+            <a:r>
+              <a:rPr lang="en-US" sz="2600">
+                <a:solidFill>
+                  <a:srgbClr val="000000"/>
+                </a:solidFill>
+                <a:latin typeface="Open Sans"/>
+                <a:ea typeface="Open Sans"/>
+                <a:cs typeface="Open Sans"/>
+                <a:sym typeface="Open Sans"/>
+              </a:rPr>
+              <a:t>Expanding sources beyond Wikipedia and Arxiv for real-time and verified information retrieval.</a:t>
+            </a:r>
+          </a:p>
+          <a:p>
+            <a:pPr algn="l" marL="561341" indent="-280670" lvl="1">
+              <a:lnSpc>
+                <a:spcPts val="3640"/>
+              </a:lnSpc>
+              <a:buFont typeface="Arial"/>
+              <a:buChar char="•"/>
+            </a:pPr>
+            <a:r>
+              <a:rPr lang="en-US" b="true" sz="2600">
+                <a:solidFill>
+                  <a:srgbClr val="000000"/>
+                </a:solidFill>
+                <a:latin typeface="Open Sans Bold"/>
+                <a:ea typeface="Open Sans Bold"/>
+                <a:cs typeface="Open Sans Bold"/>
+                <a:sym typeface="Open Sans Bold"/>
+              </a:rPr>
+              <a:t>Performance Optimization: </a:t>
+            </a:r>
+          </a:p>
+          <a:p>
+            <a:pPr algn="l">
+              <a:lnSpc>
+                <a:spcPts val="3640"/>
+              </a:lnSpc>
+            </a:pPr>
+            <a:r>
+              <a:rPr lang="en-US" sz="2600">
+                <a:solidFill>
+                  <a:srgbClr val="000000"/>
+                </a:solidFill>
+                <a:latin typeface="Open Sans"/>
+                <a:ea typeface="Open Sans"/>
+                <a:cs typeface="Open Sans"/>
+                <a:sym typeface="Open Sans"/>
+              </a:rPr>
+              <a:t>Using asynchronous processing to reduce latency and improve speed.</a:t>
+            </a:r>
+          </a:p>
+          <a:p>
+            <a:pPr algn="l" marL="561341" indent="-280670" lvl="1">
+              <a:lnSpc>
+                <a:spcPts val="3640"/>
+              </a:lnSpc>
+              <a:buFont typeface="Arial"/>
+              <a:buChar char="•"/>
+            </a:pPr>
+            <a:r>
+              <a:rPr lang="en-US" b="true" sz="2600">
+                <a:solidFill>
+                  <a:srgbClr val="000000"/>
+                </a:solidFill>
+                <a:latin typeface="Open Sans Bold"/>
+                <a:ea typeface="Open Sans Bold"/>
+                <a:cs typeface="Open Sans Bold"/>
+                <a:sym typeface="Open Sans Bold"/>
+              </a:rPr>
+              <a:t>Richer Natural Language Understanding (NLU):</a:t>
+            </a:r>
+          </a:p>
+          <a:p>
+            <a:pPr algn="l">
+              <a:lnSpc>
+                <a:spcPts val="3640"/>
+              </a:lnSpc>
+            </a:pPr>
+            <a:r>
+              <a:rPr lang="en-US" sz="2600">
+                <a:solidFill>
+                  <a:srgbClr val="000000"/>
+                </a:solidFill>
+                <a:latin typeface="Open Sans"/>
+                <a:ea typeface="Open Sans"/>
+                <a:cs typeface="Open Sans"/>
+                <a:sym typeface="Open Sans"/>
+              </a:rPr>
+              <a:t>Enhancing prompt refinement and multi-turn conversations using advanced deep learning models.</a:t>
+            </a:r>
+          </a:p>
+        </p:txBody>
+      </p:sp>
+      <p:sp>
+        <p:nvSpPr>
+          <p:cNvPr name="TextBox 7" id="7"/>
+          <p:cNvSpPr txBox="true"/>
+          <p:nvPr/>
+        </p:nvSpPr>
+        <p:spPr>
+          <a:xfrm rot="0">
+            <a:off x="1028700" y="1219200"/>
+            <a:ext cx="12836883" cy="1330297"/>
+          </a:xfrm>
+          <a:prstGeom prst="rect">
+            <a:avLst/>
+          </a:prstGeom>
+        </p:spPr>
+        <p:txBody>
+          <a:bodyPr anchor="t" rtlCol="false" tIns="0" lIns="0" bIns="0" rIns="0">
+            <a:spAutoFit/>
+          </a:bodyPr>
+          <a:lstStyle/>
+          <a:p>
+            <a:pPr algn="l">
+              <a:lnSpc>
+                <a:spcPts val="9999"/>
+              </a:lnSpc>
+            </a:pPr>
+            <a:r>
+              <a:rPr lang="en-US" sz="9999">
+                <a:solidFill>
+                  <a:srgbClr val="018575"/>
+                </a:solidFill>
+                <a:latin typeface="Open Sans"/>
+                <a:ea typeface="Open Sans"/>
+                <a:cs typeface="Open Sans"/>
+                <a:sym typeface="Open Sans"/>
+              </a:rPr>
+              <a:t>Future Scope</a:t>
             </a:r>
           </a:p>
         </p:txBody>
